--- a/figures/conceptual_figure_edits.pptx
+++ b/figures/conceptual_figure_edits.pptx
@@ -5,15 +5,14 @@
     <p:sldMasterId id="2147483660" r:id="rId1"/>
   </p:sldMasterIdLst>
   <p:notesMasterIdLst>
-    <p:notesMasterId r:id="rId8"/>
+    <p:notesMasterId r:id="rId7"/>
   </p:notesMasterIdLst>
   <p:sldIdLst>
     <p:sldId id="259" r:id="rId2"/>
     <p:sldId id="421" r:id="rId3"/>
     <p:sldId id="422" r:id="rId4"/>
     <p:sldId id="420" r:id="rId5"/>
-    <p:sldId id="256" r:id="rId6"/>
-    <p:sldId id="257" r:id="rId7"/>
+    <p:sldId id="257" r:id="rId6"/>
   </p:sldIdLst>
   <p:sldSz cx="11277600" cy="7589838"/>
   <p:notesSz cx="6858000" cy="9144000"/>
@@ -202,7 +201,7 @@
           <a:p>
             <a:fld id="{CF926EB8-4BBA-E94D-8B9D-AEF9CEF388D1}" type="datetimeFigureOut">
               <a:rPr lang="en-US" smtClean="0"/>
-              <a:t>10/15/24</a:t>
+              <a:t>6/15/25</a:t>
             </a:fld>
             <a:endParaRPr lang="en-US"/>
           </a:p>
@@ -805,7 +804,7 @@
           <a:p>
             <a:fld id="{5EDC19BF-310A-3F4E-92E8-827BF514A206}" type="datetimeFigureOut">
               <a:rPr lang="en-US" smtClean="0"/>
-              <a:t>10/15/24</a:t>
+              <a:t>6/15/25</a:t>
             </a:fld>
             <a:endParaRPr lang="en-US"/>
           </a:p>
@@ -975,7 +974,7 @@
           <a:p>
             <a:fld id="{5EDC19BF-310A-3F4E-92E8-827BF514A206}" type="datetimeFigureOut">
               <a:rPr lang="en-US" smtClean="0"/>
-              <a:t>10/15/24</a:t>
+              <a:t>6/15/25</a:t>
             </a:fld>
             <a:endParaRPr lang="en-US"/>
           </a:p>
@@ -1155,7 +1154,7 @@
           <a:p>
             <a:fld id="{5EDC19BF-310A-3F4E-92E8-827BF514A206}" type="datetimeFigureOut">
               <a:rPr lang="en-US" smtClean="0"/>
-              <a:t>10/15/24</a:t>
+              <a:t>6/15/25</a:t>
             </a:fld>
             <a:endParaRPr lang="en-US"/>
           </a:p>
@@ -1325,7 +1324,7 @@
           <a:p>
             <a:fld id="{5EDC19BF-310A-3F4E-92E8-827BF514A206}" type="datetimeFigureOut">
               <a:rPr lang="en-US" smtClean="0"/>
-              <a:t>10/15/24</a:t>
+              <a:t>6/15/25</a:t>
             </a:fld>
             <a:endParaRPr lang="en-US"/>
           </a:p>
@@ -1571,7 +1570,7 @@
           <a:p>
             <a:fld id="{5EDC19BF-310A-3F4E-92E8-827BF514A206}" type="datetimeFigureOut">
               <a:rPr lang="en-US" smtClean="0"/>
-              <a:t>10/15/24</a:t>
+              <a:t>6/15/25</a:t>
             </a:fld>
             <a:endParaRPr lang="en-US"/>
           </a:p>
@@ -1803,7 +1802,7 @@
           <a:p>
             <a:fld id="{5EDC19BF-310A-3F4E-92E8-827BF514A206}" type="datetimeFigureOut">
               <a:rPr lang="en-US" smtClean="0"/>
-              <a:t>10/15/24</a:t>
+              <a:t>6/15/25</a:t>
             </a:fld>
             <a:endParaRPr lang="en-US"/>
           </a:p>
@@ -2170,7 +2169,7 @@
           <a:p>
             <a:fld id="{5EDC19BF-310A-3F4E-92E8-827BF514A206}" type="datetimeFigureOut">
               <a:rPr lang="en-US" smtClean="0"/>
-              <a:t>10/15/24</a:t>
+              <a:t>6/15/25</a:t>
             </a:fld>
             <a:endParaRPr lang="en-US"/>
           </a:p>
@@ -2288,7 +2287,7 @@
           <a:p>
             <a:fld id="{5EDC19BF-310A-3F4E-92E8-827BF514A206}" type="datetimeFigureOut">
               <a:rPr lang="en-US" smtClean="0"/>
-              <a:t>10/15/24</a:t>
+              <a:t>6/15/25</a:t>
             </a:fld>
             <a:endParaRPr lang="en-US"/>
           </a:p>
@@ -2383,7 +2382,7 @@
           <a:p>
             <a:fld id="{5EDC19BF-310A-3F4E-92E8-827BF514A206}" type="datetimeFigureOut">
               <a:rPr lang="en-US" smtClean="0"/>
-              <a:t>10/15/24</a:t>
+              <a:t>6/15/25</a:t>
             </a:fld>
             <a:endParaRPr lang="en-US"/>
           </a:p>
@@ -2660,7 +2659,7 @@
           <a:p>
             <a:fld id="{5EDC19BF-310A-3F4E-92E8-827BF514A206}" type="datetimeFigureOut">
               <a:rPr lang="en-US" smtClean="0"/>
-              <a:t>10/15/24</a:t>
+              <a:t>6/15/25</a:t>
             </a:fld>
             <a:endParaRPr lang="en-US"/>
           </a:p>
@@ -2917,7 +2916,7 @@
           <a:p>
             <a:fld id="{5EDC19BF-310A-3F4E-92E8-827BF514A206}" type="datetimeFigureOut">
               <a:rPr lang="en-US" smtClean="0"/>
-              <a:t>10/15/24</a:t>
+              <a:t>6/15/25</a:t>
             </a:fld>
             <a:endParaRPr lang="en-US"/>
           </a:p>
@@ -3130,7 +3129,7 @@
           <a:p>
             <a:fld id="{5EDC19BF-310A-3F4E-92E8-827BF514A206}" type="datetimeFigureOut">
               <a:rPr lang="en-US" smtClean="0"/>
-              <a:t>10/15/24</a:t>
+              <a:t>6/15/25</a:t>
             </a:fld>
             <a:endParaRPr lang="en-US"/>
           </a:p>
@@ -7778,10 +7777,10 @@
       </p:grpSpPr>
       <p:pic>
         <p:nvPicPr>
-          <p:cNvPr id="4" name="Picture 3">
+          <p:cNvPr id="9" name="Picture 8">
             <a:extLst>
               <a:ext uri="{FF2B5EF4-FFF2-40B4-BE49-F238E27FC236}">
-                <a16:creationId xmlns:a16="http://schemas.microsoft.com/office/drawing/2014/main" id="{ABA7A56D-0594-B3BC-2BAC-F671E357BEC4}"/>
+                <a16:creationId xmlns:a16="http://schemas.microsoft.com/office/drawing/2014/main" id="{FFB0CC36-F5D7-1D17-E293-A138F6C4F1E2}"/>
               </a:ext>
             </a:extLst>
           </p:cNvPr>
@@ -7791,27 +7790,384 @@
           <p:nvPr/>
         </p:nvPicPr>
         <p:blipFill>
-          <a:blip r:embed="rId2" cstate="print">
-            <a:extLst>
-              <a:ext uri="{28A0092B-C50C-407E-A947-70E740481C1C}">
-                <a14:useLocalDpi xmlns:a14="http://schemas.microsoft.com/office/drawing/2010/main" val="0"/>
-              </a:ext>
-            </a:extLst>
-          </a:blip>
+          <a:blip r:embed="rId2"/>
           <a:stretch>
             <a:fillRect/>
           </a:stretch>
         </p:blipFill>
         <p:spPr>
           <a:xfrm>
-            <a:off x="1721224" y="1772887"/>
-            <a:ext cx="7642412" cy="3814674"/>
+            <a:off x="1636059" y="1634836"/>
+            <a:ext cx="7684532" cy="3842266"/>
           </a:xfrm>
           <a:prstGeom prst="rect">
             <a:avLst/>
           </a:prstGeom>
         </p:spPr>
       </p:pic>
+      <p:sp>
+        <p:nvSpPr>
+          <p:cNvPr id="5" name="Freeform 4">
+            <a:extLst>
+              <a:ext uri="{FF2B5EF4-FFF2-40B4-BE49-F238E27FC236}">
+                <a16:creationId xmlns:a16="http://schemas.microsoft.com/office/drawing/2014/main" id="{E98ADAF3-C87B-4DEC-3223-48825F1B686C}"/>
+              </a:ext>
+            </a:extLst>
+          </p:cNvPr>
+          <p:cNvSpPr/>
+          <p:nvPr/>
+        </p:nvSpPr>
+        <p:spPr>
+          <a:xfrm>
+            <a:off x="3355215" y="2060100"/>
+            <a:ext cx="600075" cy="271484"/>
+          </a:xfrm>
+          <a:custGeom>
+            <a:avLst/>
+            <a:gdLst>
+              <a:gd name="connsiteX0" fmla="*/ 0 w 600075"/>
+              <a:gd name="connsiteY0" fmla="*/ 257196 h 271484"/>
+              <a:gd name="connsiteX1" fmla="*/ 142875 w 600075"/>
+              <a:gd name="connsiteY1" fmla="*/ 21 h 271484"/>
+              <a:gd name="connsiteX2" fmla="*/ 357187 w 600075"/>
+              <a:gd name="connsiteY2" fmla="*/ 242909 h 271484"/>
+              <a:gd name="connsiteX3" fmla="*/ 600075 w 600075"/>
+              <a:gd name="connsiteY3" fmla="*/ 271484 h 271484"/>
+            </a:gdLst>
+            <a:ahLst/>
+            <a:cxnLst>
+              <a:cxn ang="0">
+                <a:pos x="connsiteX0" y="connsiteY0"/>
+              </a:cxn>
+              <a:cxn ang="0">
+                <a:pos x="connsiteX1" y="connsiteY1"/>
+              </a:cxn>
+              <a:cxn ang="0">
+                <a:pos x="connsiteX2" y="connsiteY2"/>
+              </a:cxn>
+              <a:cxn ang="0">
+                <a:pos x="connsiteX3" y="connsiteY3"/>
+              </a:cxn>
+            </a:cxnLst>
+            <a:rect l="l" t="t" r="r" b="b"/>
+            <a:pathLst>
+              <a:path w="600075" h="271484">
+                <a:moveTo>
+                  <a:pt x="0" y="257196"/>
+                </a:moveTo>
+                <a:cubicBezTo>
+                  <a:pt x="41672" y="129799"/>
+                  <a:pt x="83344" y="2402"/>
+                  <a:pt x="142875" y="21"/>
+                </a:cubicBezTo>
+                <a:cubicBezTo>
+                  <a:pt x="202406" y="-2360"/>
+                  <a:pt x="280987" y="197665"/>
+                  <a:pt x="357187" y="242909"/>
+                </a:cubicBezTo>
+                <a:cubicBezTo>
+                  <a:pt x="433387" y="288153"/>
+                  <a:pt x="461963" y="247672"/>
+                  <a:pt x="600075" y="271484"/>
+                </a:cubicBezTo>
+              </a:path>
+            </a:pathLst>
+          </a:custGeom>
+          <a:noFill/>
+          <a:ln>
+            <a:solidFill>
+              <a:srgbClr val="7030A0"/>
+            </a:solidFill>
+          </a:ln>
+        </p:spPr>
+        <p:style>
+          <a:lnRef idx="2">
+            <a:schemeClr val="accent1">
+              <a:shade val="15000"/>
+            </a:schemeClr>
+          </a:lnRef>
+          <a:fillRef idx="1">
+            <a:schemeClr val="accent1"/>
+          </a:fillRef>
+          <a:effectRef idx="0">
+            <a:schemeClr val="accent1"/>
+          </a:effectRef>
+          <a:fontRef idx="minor">
+            <a:schemeClr val="lt1"/>
+          </a:fontRef>
+        </p:style>
+        <p:txBody>
+          <a:bodyPr rtlCol="0" anchor="ctr"/>
+          <a:lstStyle/>
+          <a:p>
+            <a:pPr algn="ctr"/>
+            <a:endParaRPr lang="en-US"/>
+          </a:p>
+        </p:txBody>
+      </p:sp>
+      <p:sp>
+        <p:nvSpPr>
+          <p:cNvPr id="6" name="Freeform 5">
+            <a:extLst>
+              <a:ext uri="{FF2B5EF4-FFF2-40B4-BE49-F238E27FC236}">
+                <a16:creationId xmlns:a16="http://schemas.microsoft.com/office/drawing/2014/main" id="{1561FB55-FC19-706A-1659-48199092BCDC}"/>
+              </a:ext>
+            </a:extLst>
+          </p:cNvPr>
+          <p:cNvSpPr/>
+          <p:nvPr/>
+        </p:nvSpPr>
+        <p:spPr>
+          <a:xfrm rot="20917571">
+            <a:off x="3639325" y="2373775"/>
+            <a:ext cx="641267" cy="113035"/>
+          </a:xfrm>
+          <a:custGeom>
+            <a:avLst/>
+            <a:gdLst>
+              <a:gd name="connsiteX0" fmla="*/ 0 w 795647"/>
+              <a:gd name="connsiteY0" fmla="*/ 190088 h 196245"/>
+              <a:gd name="connsiteX1" fmla="*/ 201880 w 795647"/>
+              <a:gd name="connsiteY1" fmla="*/ 83 h 196245"/>
+              <a:gd name="connsiteX2" fmla="*/ 534389 w 795647"/>
+              <a:gd name="connsiteY2" fmla="*/ 166337 h 196245"/>
+              <a:gd name="connsiteX3" fmla="*/ 795647 w 795647"/>
+              <a:gd name="connsiteY3" fmla="*/ 190088 h 196245"/>
+            </a:gdLst>
+            <a:ahLst/>
+            <a:cxnLst>
+              <a:cxn ang="0">
+                <a:pos x="connsiteX0" y="connsiteY0"/>
+              </a:cxn>
+              <a:cxn ang="0">
+                <a:pos x="connsiteX1" y="connsiteY1"/>
+              </a:cxn>
+              <a:cxn ang="0">
+                <a:pos x="connsiteX2" y="connsiteY2"/>
+              </a:cxn>
+              <a:cxn ang="0">
+                <a:pos x="connsiteX3" y="connsiteY3"/>
+              </a:cxn>
+            </a:cxnLst>
+            <a:rect l="l" t="t" r="r" b="b"/>
+            <a:pathLst>
+              <a:path w="795647" h="196245">
+                <a:moveTo>
+                  <a:pt x="0" y="190088"/>
+                </a:moveTo>
+                <a:cubicBezTo>
+                  <a:pt x="56407" y="97064"/>
+                  <a:pt x="112815" y="4041"/>
+                  <a:pt x="201880" y="83"/>
+                </a:cubicBezTo>
+                <a:cubicBezTo>
+                  <a:pt x="290945" y="-3876"/>
+                  <a:pt x="435428" y="134669"/>
+                  <a:pt x="534389" y="166337"/>
+                </a:cubicBezTo>
+                <a:cubicBezTo>
+                  <a:pt x="633350" y="198005"/>
+                  <a:pt x="708561" y="201963"/>
+                  <a:pt x="795647" y="190088"/>
+                </a:cubicBezTo>
+              </a:path>
+            </a:pathLst>
+          </a:custGeom>
+          <a:noFill/>
+          <a:ln>
+            <a:solidFill>
+              <a:srgbClr val="CEB8D7"/>
+            </a:solidFill>
+          </a:ln>
+        </p:spPr>
+        <p:style>
+          <a:lnRef idx="2">
+            <a:schemeClr val="accent1">
+              <a:shade val="15000"/>
+            </a:schemeClr>
+          </a:lnRef>
+          <a:fillRef idx="1">
+            <a:schemeClr val="accent1"/>
+          </a:fillRef>
+          <a:effectRef idx="0">
+            <a:schemeClr val="accent1"/>
+          </a:effectRef>
+          <a:fontRef idx="minor">
+            <a:schemeClr val="lt1"/>
+          </a:fontRef>
+        </p:style>
+        <p:txBody>
+          <a:bodyPr rtlCol="0" anchor="ctr"/>
+          <a:lstStyle/>
+          <a:p>
+            <a:pPr algn="ctr"/>
+            <a:endParaRPr lang="en-US"/>
+          </a:p>
+        </p:txBody>
+      </p:sp>
+      <p:cxnSp>
+        <p:nvCxnSpPr>
+          <p:cNvPr id="7" name="Straight Connector 6">
+            <a:extLst>
+              <a:ext uri="{FF2B5EF4-FFF2-40B4-BE49-F238E27FC236}">
+                <a16:creationId xmlns:a16="http://schemas.microsoft.com/office/drawing/2014/main" id="{2B90C270-BBB8-E2A4-96FE-6527501CB634}"/>
+              </a:ext>
+            </a:extLst>
+          </p:cNvPr>
+          <p:cNvCxnSpPr>
+            <a:cxnSpLocks/>
+          </p:cNvCxnSpPr>
+          <p:nvPr/>
+        </p:nvCxnSpPr>
+        <p:spPr>
+          <a:xfrm flipV="1">
+            <a:off x="3186823" y="2662995"/>
+            <a:ext cx="478538" cy="135419"/>
+          </a:xfrm>
+          <a:prstGeom prst="line">
+            <a:avLst/>
+          </a:prstGeom>
+          <a:ln>
+            <a:solidFill>
+              <a:schemeClr val="accent6">
+                <a:lumMod val="40000"/>
+                <a:lumOff val="60000"/>
+              </a:schemeClr>
+            </a:solidFill>
+          </a:ln>
+        </p:spPr>
+        <p:style>
+          <a:lnRef idx="2">
+            <a:schemeClr val="accent1"/>
+          </a:lnRef>
+          <a:fillRef idx="0">
+            <a:schemeClr val="accent1"/>
+          </a:fillRef>
+          <a:effectRef idx="1">
+            <a:schemeClr val="accent1"/>
+          </a:effectRef>
+          <a:fontRef idx="minor">
+            <a:schemeClr val="tx1"/>
+          </a:fontRef>
+        </p:style>
+      </p:cxnSp>
+      <p:cxnSp>
+        <p:nvCxnSpPr>
+          <p:cNvPr id="8" name="Straight Connector 7">
+            <a:extLst>
+              <a:ext uri="{FF2B5EF4-FFF2-40B4-BE49-F238E27FC236}">
+                <a16:creationId xmlns:a16="http://schemas.microsoft.com/office/drawing/2014/main" id="{93DA8415-73BE-BF0E-3298-B00A4EF09233}"/>
+              </a:ext>
+            </a:extLst>
+          </p:cNvPr>
+          <p:cNvCxnSpPr>
+            <a:cxnSpLocks/>
+          </p:cNvCxnSpPr>
+          <p:nvPr/>
+        </p:nvCxnSpPr>
+        <p:spPr>
+          <a:xfrm>
+            <a:off x="3387392" y="2974561"/>
+            <a:ext cx="494527" cy="0"/>
+          </a:xfrm>
+          <a:prstGeom prst="line">
+            <a:avLst/>
+          </a:prstGeom>
+          <a:ln>
+            <a:solidFill>
+              <a:schemeClr val="accent3"/>
+            </a:solidFill>
+          </a:ln>
+        </p:spPr>
+        <p:style>
+          <a:lnRef idx="2">
+            <a:schemeClr val="accent1"/>
+          </a:lnRef>
+          <a:fillRef idx="0">
+            <a:schemeClr val="accent1"/>
+          </a:fillRef>
+          <a:effectRef idx="1">
+            <a:schemeClr val="accent1"/>
+          </a:effectRef>
+          <a:fontRef idx="minor">
+            <a:schemeClr val="tx1"/>
+          </a:fontRef>
+        </p:style>
+      </p:cxnSp>
+      <p:sp>
+        <p:nvSpPr>
+          <p:cNvPr id="2" name="TextBox 1">
+            <a:extLst>
+              <a:ext uri="{FF2B5EF4-FFF2-40B4-BE49-F238E27FC236}">
+                <a16:creationId xmlns:a16="http://schemas.microsoft.com/office/drawing/2014/main" id="{658CF93C-0404-E965-7490-FC845EC7AA2E}"/>
+              </a:ext>
+            </a:extLst>
+          </p:cNvPr>
+          <p:cNvSpPr txBox="1"/>
+          <p:nvPr/>
+        </p:nvSpPr>
+        <p:spPr>
+          <a:xfrm>
+            <a:off x="2272553" y="1450170"/>
+            <a:ext cx="416859" cy="369332"/>
+          </a:xfrm>
+          <a:prstGeom prst="rect">
+            <a:avLst/>
+          </a:prstGeom>
+          <a:noFill/>
+        </p:spPr>
+        <p:txBody>
+          <a:bodyPr wrap="square" rtlCol="0">
+            <a:spAutoFit/>
+          </a:bodyPr>
+          <a:lstStyle/>
+          <a:p>
+            <a:r>
+              <a:rPr lang="en-US" dirty="0">
+                <a:latin typeface="Helvetica" pitchFamily="2" charset="0"/>
+              </a:rPr>
+              <a:t>A)</a:t>
+            </a:r>
+          </a:p>
+        </p:txBody>
+      </p:sp>
+      <p:sp>
+        <p:nvSpPr>
+          <p:cNvPr id="3" name="TextBox 2">
+            <a:extLst>
+              <a:ext uri="{FF2B5EF4-FFF2-40B4-BE49-F238E27FC236}">
+                <a16:creationId xmlns:a16="http://schemas.microsoft.com/office/drawing/2014/main" id="{16423E03-B275-2B03-7757-A5C0A77974A7}"/>
+              </a:ext>
+            </a:extLst>
+          </p:cNvPr>
+          <p:cNvSpPr txBox="1"/>
+          <p:nvPr/>
+        </p:nvSpPr>
+        <p:spPr>
+          <a:xfrm>
+            <a:off x="6055659" y="1450170"/>
+            <a:ext cx="416859" cy="369332"/>
+          </a:xfrm>
+          <a:prstGeom prst="rect">
+            <a:avLst/>
+          </a:prstGeom>
+          <a:noFill/>
+        </p:spPr>
+        <p:txBody>
+          <a:bodyPr wrap="square" rtlCol="0">
+            <a:spAutoFit/>
+          </a:bodyPr>
+          <a:lstStyle/>
+          <a:p>
+            <a:r>
+              <a:rPr lang="en-US" dirty="0">
+                <a:latin typeface="Helvetica" pitchFamily="2" charset="0"/>
+              </a:rPr>
+              <a:t>B)</a:t>
+            </a:r>
+          </a:p>
+        </p:txBody>
+      </p:sp>
     </p:spTree>
     <p:extLst>
       <p:ext uri="{BB962C8B-B14F-4D97-AF65-F5344CB8AC3E}">
@@ -7850,10 +8206,10 @@
       </p:grpSpPr>
       <p:pic>
         <p:nvPicPr>
-          <p:cNvPr id="3" name="Picture 2" descr="A screenshot of a computer&#10;&#10;Description automatically generated">
+          <p:cNvPr id="30" name="Picture 29" descr="A screenshot of a computer&#10;&#10;AI-generated content may be incorrect.">
             <a:extLst>
               <a:ext uri="{FF2B5EF4-FFF2-40B4-BE49-F238E27FC236}">
-                <a16:creationId xmlns:a16="http://schemas.microsoft.com/office/drawing/2014/main" id="{59B175B4-77CA-948C-325C-62A9C3B8E7A6}"/>
+                <a16:creationId xmlns:a16="http://schemas.microsoft.com/office/drawing/2014/main" id="{6F101BAE-BDF6-7548-B88A-82244945C118}"/>
               </a:ext>
             </a:extLst>
           </p:cNvPr>
@@ -7863,20 +8219,16 @@
           <p:nvPr/>
         </p:nvPicPr>
         <p:blipFill>
-          <a:blip r:embed="rId3" cstate="print">
-            <a:extLst>
-              <a:ext uri="{28A0092B-C50C-407E-A947-70E740481C1C}">
-                <a14:useLocalDpi xmlns:a14="http://schemas.microsoft.com/office/drawing/2010/main" val="0"/>
-              </a:ext>
-            </a:extLst>
-          </a:blip>
-          <a:srcRect t="6364" r="787"/>
-          <a:stretch/>
+          <a:blip r:embed="rId3"/>
+          <a:srcRect l="-1" t="6547" r="-3321"/>
+          <a:stretch>
+            <a:fillRect/>
+          </a:stretch>
         </p:blipFill>
         <p:spPr>
           <a:xfrm>
-            <a:off x="2391568" y="506022"/>
-            <a:ext cx="6905797" cy="7083816"/>
+            <a:off x="2416204" y="506021"/>
+            <a:ext cx="7225337" cy="7102544"/>
           </a:xfrm>
           <a:prstGeom prst="rect">
             <a:avLst/>
@@ -8792,7 +9144,7 @@
           <p:nvPr/>
         </p:nvPicPr>
         <p:blipFill>
-          <a:blip r:embed="rId3" cstate="print">
+          <a:blip r:embed="rId4" cstate="print">
             <a:extLst>
               <a:ext uri="{28A0092B-C50C-407E-A947-70E740481C1C}">
                 <a14:useLocalDpi xmlns:a14="http://schemas.microsoft.com/office/drawing/2010/main" val="0"/>
@@ -8827,7 +9179,7 @@
           <p:nvPr/>
         </p:nvPicPr>
         <p:blipFill>
-          <a:blip r:embed="rId3" cstate="print">
+          <a:blip r:embed="rId4" cstate="print">
             <a:extLst>
               <a:ext uri="{28A0092B-C50C-407E-A947-70E740481C1C}">
                 <a14:useLocalDpi xmlns:a14="http://schemas.microsoft.com/office/drawing/2010/main" val="0"/>
@@ -8862,7 +9214,7 @@
           <p:nvPr/>
         </p:nvPicPr>
         <p:blipFill>
-          <a:blip r:embed="rId3" cstate="print">
+          <a:blip r:embed="rId4" cstate="print">
             <a:extLst>
               <a:ext uri="{28A0092B-C50C-407E-A947-70E740481C1C}">
                 <a14:useLocalDpi xmlns:a14="http://schemas.microsoft.com/office/drawing/2010/main" val="0"/>
@@ -9102,12 +9454,79 @@
           <a:chExt cx="0" cy="0"/>
         </a:xfrm>
       </p:grpSpPr>
+      <p:pic>
+        <p:nvPicPr>
+          <p:cNvPr id="7" name="Picture 6" descr="A diagram of a graph&#10;&#10;AI-generated content may be incorrect.">
+            <a:extLst>
+              <a:ext uri="{FF2B5EF4-FFF2-40B4-BE49-F238E27FC236}">
+                <a16:creationId xmlns:a16="http://schemas.microsoft.com/office/drawing/2014/main" id="{3ADA8CF2-5CCE-80D9-4766-0B70CC637ACA}"/>
+              </a:ext>
+            </a:extLst>
+          </p:cNvPr>
+          <p:cNvPicPr>
+            <a:picLocks noChangeAspect="1"/>
+          </p:cNvPicPr>
+          <p:nvPr/>
+        </p:nvPicPr>
+        <p:blipFill>
+          <a:blip r:embed="rId2"/>
+          <a:stretch>
+            <a:fillRect/>
+          </a:stretch>
+        </p:blipFill>
+        <p:spPr>
+          <a:xfrm>
+            <a:off x="1282738" y="461999"/>
+            <a:ext cx="7315200" cy="2743200"/>
+          </a:xfrm>
+          <a:prstGeom prst="rect">
+            <a:avLst/>
+          </a:prstGeom>
+        </p:spPr>
+      </p:pic>
+      <p:sp>
+        <p:nvSpPr>
+          <p:cNvPr id="6" name="TextBox 5">
+            <a:extLst>
+              <a:ext uri="{FF2B5EF4-FFF2-40B4-BE49-F238E27FC236}">
+                <a16:creationId xmlns:a16="http://schemas.microsoft.com/office/drawing/2014/main" id="{01417A17-AFAF-C8FE-0A61-E15AFC65A8B8}"/>
+              </a:ext>
+            </a:extLst>
+          </p:cNvPr>
+          <p:cNvSpPr txBox="1"/>
+          <p:nvPr/>
+        </p:nvSpPr>
+        <p:spPr>
+          <a:xfrm>
+            <a:off x="1739854" y="2843412"/>
+            <a:ext cx="507797" cy="348557"/>
+          </a:xfrm>
+          <a:prstGeom prst="rect">
+            <a:avLst/>
+          </a:prstGeom>
+          <a:noFill/>
+        </p:spPr>
+        <p:txBody>
+          <a:bodyPr wrap="square" rtlCol="0">
+            <a:spAutoFit/>
+          </a:bodyPr>
+          <a:lstStyle/>
+          <a:p>
+            <a:r>
+              <a:rPr lang="en-US" sz="1665" dirty="0">
+                <a:latin typeface="Helvetica" pitchFamily="2" charset="0"/>
+              </a:rPr>
+              <a:t>(D)</a:t>
+            </a:r>
+          </a:p>
+        </p:txBody>
+      </p:sp>
       <p:cxnSp>
         <p:nvCxnSpPr>
-          <p:cNvPr id="9" name="Straight Connector 8">
+          <p:cNvPr id="42" name="Straight Connector 41">
             <a:extLst>
               <a:ext uri="{FF2B5EF4-FFF2-40B4-BE49-F238E27FC236}">
-                <a16:creationId xmlns:a16="http://schemas.microsoft.com/office/drawing/2014/main" id="{A22F6E98-A40B-1913-82E5-EDB287515C97}"/>
+                <a16:creationId xmlns:a16="http://schemas.microsoft.com/office/drawing/2014/main" id="{209EF8C9-BB63-CD8A-F01A-617D381866A3}"/>
               </a:ext>
             </a:extLst>
           </p:cNvPr>
@@ -9118,7 +9537,7 @@
         </p:nvCxnSpPr>
         <p:spPr>
           <a:xfrm>
-            <a:off x="2048311" y="2518546"/>
+            <a:off x="2361019" y="3183333"/>
             <a:ext cx="0" cy="3271183"/>
           </a:xfrm>
           <a:prstGeom prst="line">
@@ -9143,10 +9562,10 @@
       </p:cxnSp>
       <p:cxnSp>
         <p:nvCxnSpPr>
-          <p:cNvPr id="10" name="Straight Connector 9">
+          <p:cNvPr id="43" name="Straight Connector 42">
             <a:extLst>
               <a:ext uri="{FF2B5EF4-FFF2-40B4-BE49-F238E27FC236}">
-                <a16:creationId xmlns:a16="http://schemas.microsoft.com/office/drawing/2014/main" id="{217AC7AF-C9EA-DE29-39E4-6E6116B38C90}"/>
+                <a16:creationId xmlns:a16="http://schemas.microsoft.com/office/drawing/2014/main" id="{8953DF5A-F19B-C561-270B-8A68C36B5249}"/>
               </a:ext>
             </a:extLst>
           </p:cNvPr>
@@ -9157,7 +9576,7 @@
         </p:nvCxnSpPr>
         <p:spPr>
           <a:xfrm flipH="1">
-            <a:off x="2048311" y="5789729"/>
+            <a:off x="2361020" y="6454516"/>
             <a:ext cx="3841857" cy="0"/>
           </a:xfrm>
           <a:prstGeom prst="line">
@@ -9182,10 +9601,10 @@
       </p:cxnSp>
       <p:sp>
         <p:nvSpPr>
-          <p:cNvPr id="14" name="TextBox 13">
+          <p:cNvPr id="44" name="TextBox 43">
             <a:extLst>
               <a:ext uri="{FF2B5EF4-FFF2-40B4-BE49-F238E27FC236}">
-                <a16:creationId xmlns:a16="http://schemas.microsoft.com/office/drawing/2014/main" id="{4D77B8D8-623E-64F6-ABF9-43AB45AFE110}"/>
+                <a16:creationId xmlns:a16="http://schemas.microsoft.com/office/drawing/2014/main" id="{BA31F38B-E309-B8F3-2592-411B433056CF}"/>
               </a:ext>
             </a:extLst>
           </p:cNvPr>
@@ -9194,7 +9613,7 @@
         </p:nvSpPr>
         <p:spPr>
           <a:xfrm rot="16200000">
-            <a:off x="886584" y="3880625"/>
+            <a:off x="1278394" y="4461864"/>
             <a:ext cx="835629" cy="348557"/>
           </a:xfrm>
           <a:prstGeom prst="rect">
@@ -9219,10 +9638,10 @@
       </p:sp>
       <p:sp>
         <p:nvSpPr>
-          <p:cNvPr id="15" name="TextBox 14">
+          <p:cNvPr id="45" name="TextBox 44">
             <a:extLst>
               <a:ext uri="{FF2B5EF4-FFF2-40B4-BE49-F238E27FC236}">
-                <a16:creationId xmlns:a16="http://schemas.microsoft.com/office/drawing/2014/main" id="{E582ECAC-B90D-2DC4-D8CD-B8E79B400C53}"/>
+                <a16:creationId xmlns:a16="http://schemas.microsoft.com/office/drawing/2014/main" id="{8E7A533C-F7D3-129C-2F4A-1C0184A081D0}"/>
               </a:ext>
             </a:extLst>
           </p:cNvPr>
@@ -9231,7 +9650,7 @@
         </p:nvSpPr>
         <p:spPr>
           <a:xfrm>
-            <a:off x="3653331" y="6236418"/>
+            <a:off x="3966038" y="6705704"/>
             <a:ext cx="835629" cy="348557"/>
           </a:xfrm>
           <a:prstGeom prst="rect">
@@ -9256,10 +9675,10 @@
       </p:sp>
       <p:sp>
         <p:nvSpPr>
-          <p:cNvPr id="16" name="TextBox 15">
+          <p:cNvPr id="46" name="TextBox 45">
             <a:extLst>
               <a:ext uri="{FF2B5EF4-FFF2-40B4-BE49-F238E27FC236}">
-                <a16:creationId xmlns:a16="http://schemas.microsoft.com/office/drawing/2014/main" id="{CD15B48D-6E12-A75D-FE41-4F16E3B752BC}"/>
+                <a16:creationId xmlns:a16="http://schemas.microsoft.com/office/drawing/2014/main" id="{4310F5E8-E319-F4A3-5E26-05ABD6A77359}"/>
               </a:ext>
             </a:extLst>
           </p:cNvPr>
@@ -9268,7 +9687,7 @@
         </p:nvSpPr>
         <p:spPr>
           <a:xfrm>
-            <a:off x="2684950" y="5845861"/>
+            <a:off x="2997658" y="6510648"/>
             <a:ext cx="835629" cy="348557"/>
           </a:xfrm>
           <a:prstGeom prst="rect">
@@ -9293,10 +9712,10 @@
       </p:sp>
       <p:sp>
         <p:nvSpPr>
-          <p:cNvPr id="17" name="TextBox 16">
+          <p:cNvPr id="47" name="TextBox 46">
             <a:extLst>
               <a:ext uri="{FF2B5EF4-FFF2-40B4-BE49-F238E27FC236}">
-                <a16:creationId xmlns:a16="http://schemas.microsoft.com/office/drawing/2014/main" id="{0DD38245-8953-DEC9-AD61-24DFFAF53E73}"/>
+                <a16:creationId xmlns:a16="http://schemas.microsoft.com/office/drawing/2014/main" id="{9313EBE3-FD83-D3BA-342B-11760B6E123B}"/>
               </a:ext>
             </a:extLst>
           </p:cNvPr>
@@ -9305,7 +9724,7 @@
         </p:nvSpPr>
         <p:spPr>
           <a:xfrm>
-            <a:off x="4627629" y="5845861"/>
+            <a:off x="4940338" y="6510648"/>
             <a:ext cx="835629" cy="348557"/>
           </a:xfrm>
           <a:prstGeom prst="rect">
@@ -9330,10 +9749,10 @@
       </p:sp>
       <p:sp>
         <p:nvSpPr>
-          <p:cNvPr id="18" name="TextBox 17">
+          <p:cNvPr id="48" name="TextBox 47">
             <a:extLst>
               <a:ext uri="{FF2B5EF4-FFF2-40B4-BE49-F238E27FC236}">
-                <a16:creationId xmlns:a16="http://schemas.microsoft.com/office/drawing/2014/main" id="{8F2FF36F-B11F-A792-DB94-969DB586824D}"/>
+                <a16:creationId xmlns:a16="http://schemas.microsoft.com/office/drawing/2014/main" id="{868E8D4B-BD7D-C8C6-0872-243EF2EB704B}"/>
               </a:ext>
             </a:extLst>
           </p:cNvPr>
@@ -9342,7 +9761,7 @@
         </p:nvSpPr>
         <p:spPr>
           <a:xfrm>
-            <a:off x="1455259" y="3101021"/>
+            <a:off x="1767967" y="3765808"/>
             <a:ext cx="835629" cy="348557"/>
           </a:xfrm>
           <a:prstGeom prst="rect">
@@ -9367,10 +9786,10 @@
       </p:sp>
       <p:sp>
         <p:nvSpPr>
-          <p:cNvPr id="19" name="TextBox 18">
+          <p:cNvPr id="49" name="TextBox 48">
             <a:extLst>
               <a:ext uri="{FF2B5EF4-FFF2-40B4-BE49-F238E27FC236}">
-                <a16:creationId xmlns:a16="http://schemas.microsoft.com/office/drawing/2014/main" id="{8FE3B786-7616-39F6-7AAD-42E587E6F8B3}"/>
+                <a16:creationId xmlns:a16="http://schemas.microsoft.com/office/drawing/2014/main" id="{13143190-4B08-7275-0731-6EA9316CCAAA}"/>
               </a:ext>
             </a:extLst>
           </p:cNvPr>
@@ -9379,7 +9798,7 @@
         </p:nvSpPr>
         <p:spPr>
           <a:xfrm>
-            <a:off x="1475215" y="4787078"/>
+            <a:off x="1787923" y="5451866"/>
             <a:ext cx="835629" cy="348557"/>
           </a:xfrm>
           <a:prstGeom prst="rect">
@@ -9404,10 +9823,10 @@
       </p:sp>
       <p:cxnSp>
         <p:nvCxnSpPr>
-          <p:cNvPr id="20" name="Straight Connector 19">
+          <p:cNvPr id="50" name="Straight Connector 49">
             <a:extLst>
               <a:ext uri="{FF2B5EF4-FFF2-40B4-BE49-F238E27FC236}">
-                <a16:creationId xmlns:a16="http://schemas.microsoft.com/office/drawing/2014/main" id="{9ADE6199-D6F3-58AE-4177-5909554097B9}"/>
+                <a16:creationId xmlns:a16="http://schemas.microsoft.com/office/drawing/2014/main" id="{62BA1560-0E7C-823B-7D54-2011155A2C20}"/>
               </a:ext>
             </a:extLst>
           </p:cNvPr>
@@ -9418,7 +9837,7 @@
         </p:nvCxnSpPr>
         <p:spPr>
           <a:xfrm flipH="1">
-            <a:off x="2048311" y="4154137"/>
+            <a:off x="2361020" y="4818925"/>
             <a:ext cx="3841857" cy="0"/>
           </a:xfrm>
           <a:prstGeom prst="line">
@@ -9443,10 +9862,10 @@
       </p:cxnSp>
       <p:cxnSp>
         <p:nvCxnSpPr>
-          <p:cNvPr id="21" name="Straight Connector 20">
+          <p:cNvPr id="51" name="Straight Connector 50">
             <a:extLst>
               <a:ext uri="{FF2B5EF4-FFF2-40B4-BE49-F238E27FC236}">
-                <a16:creationId xmlns:a16="http://schemas.microsoft.com/office/drawing/2014/main" id="{8E4DB9F5-552D-B178-E271-770AE2610BC5}"/>
+                <a16:creationId xmlns:a16="http://schemas.microsoft.com/office/drawing/2014/main" id="{3764A26D-0BFF-6AC2-7535-C27C114887FE}"/>
               </a:ext>
             </a:extLst>
           </p:cNvPr>
@@ -9457,7 +9876,7 @@
         </p:nvCxnSpPr>
         <p:spPr>
           <a:xfrm>
-            <a:off x="3969239" y="2518546"/>
+            <a:off x="4281947" y="3183333"/>
             <a:ext cx="0" cy="3271183"/>
           </a:xfrm>
           <a:prstGeom prst="line">
@@ -9482,10 +9901,10 @@
       </p:cxnSp>
       <p:cxnSp>
         <p:nvCxnSpPr>
-          <p:cNvPr id="22" name="Straight Connector 21">
+          <p:cNvPr id="52" name="Straight Connector 51">
             <a:extLst>
               <a:ext uri="{FF2B5EF4-FFF2-40B4-BE49-F238E27FC236}">
-                <a16:creationId xmlns:a16="http://schemas.microsoft.com/office/drawing/2014/main" id="{E1C496C6-545D-2A77-BFD0-3EAFEBD861D3}"/>
+                <a16:creationId xmlns:a16="http://schemas.microsoft.com/office/drawing/2014/main" id="{95E6788A-12D8-FDF7-7C40-DC1A39C5C86A}"/>
               </a:ext>
             </a:extLst>
           </p:cNvPr>
@@ -9496,7 +9915,7 @@
         </p:nvCxnSpPr>
         <p:spPr>
           <a:xfrm>
-            <a:off x="5890168" y="2518546"/>
+            <a:off x="6202876" y="3183333"/>
             <a:ext cx="0" cy="3271183"/>
           </a:xfrm>
           <a:prstGeom prst="line">
@@ -9521,10 +9940,10 @@
       </p:cxnSp>
       <p:cxnSp>
         <p:nvCxnSpPr>
-          <p:cNvPr id="23" name="Straight Connector 22">
+          <p:cNvPr id="53" name="Straight Connector 52">
             <a:extLst>
               <a:ext uri="{FF2B5EF4-FFF2-40B4-BE49-F238E27FC236}">
-                <a16:creationId xmlns:a16="http://schemas.microsoft.com/office/drawing/2014/main" id="{58327F8B-9DDE-B6CA-80E6-7A4F8B100807}"/>
+                <a16:creationId xmlns:a16="http://schemas.microsoft.com/office/drawing/2014/main" id="{57AF487D-1A8A-9038-E262-577949511D31}"/>
               </a:ext>
             </a:extLst>
           </p:cNvPr>
@@ -9535,7 +9954,7 @@
         </p:nvCxnSpPr>
         <p:spPr>
           <a:xfrm flipH="1">
-            <a:off x="2048310" y="2530571"/>
+            <a:off x="2361019" y="3195358"/>
             <a:ext cx="3841857" cy="0"/>
           </a:xfrm>
           <a:prstGeom prst="line">
@@ -9560,10 +9979,10 @@
       </p:cxnSp>
       <p:sp>
         <p:nvSpPr>
-          <p:cNvPr id="25" name="TextBox 24">
+          <p:cNvPr id="54" name="TextBox 53">
             <a:extLst>
               <a:ext uri="{FF2B5EF4-FFF2-40B4-BE49-F238E27FC236}">
-                <a16:creationId xmlns:a16="http://schemas.microsoft.com/office/drawing/2014/main" id="{101106C8-6F3D-7035-5BCF-D5F21FC1A621}"/>
+                <a16:creationId xmlns:a16="http://schemas.microsoft.com/office/drawing/2014/main" id="{9DCE37C1-8588-703D-7CAB-6ED7C75CE5A1}"/>
               </a:ext>
             </a:extLst>
           </p:cNvPr>
@@ -9572,7 +9991,7 @@
         </p:nvSpPr>
         <p:spPr>
           <a:xfrm>
-            <a:off x="3969239" y="4154137"/>
+            <a:off x="4281947" y="4818924"/>
             <a:ext cx="835629" cy="348557"/>
           </a:xfrm>
           <a:prstGeom prst="rect">
@@ -9602,10 +10021,10 @@
       </p:sp>
       <p:sp>
         <p:nvSpPr>
-          <p:cNvPr id="26" name="TextBox 25">
+          <p:cNvPr id="55" name="TextBox 54">
             <a:extLst>
               <a:ext uri="{FF2B5EF4-FFF2-40B4-BE49-F238E27FC236}">
-                <a16:creationId xmlns:a16="http://schemas.microsoft.com/office/drawing/2014/main" id="{D0C79DA8-0816-7E6F-0F38-0F1F07399EA2}"/>
+                <a16:creationId xmlns:a16="http://schemas.microsoft.com/office/drawing/2014/main" id="{1D012005-1FA7-4EFA-B01A-863303A5B762}"/>
               </a:ext>
             </a:extLst>
           </p:cNvPr>
@@ -9614,7 +10033,7 @@
         </p:nvSpPr>
         <p:spPr>
           <a:xfrm>
-            <a:off x="4983155" y="4131087"/>
+            <a:off x="5295863" y="4795874"/>
             <a:ext cx="960207" cy="348557"/>
           </a:xfrm>
           <a:prstGeom prst="rect">
@@ -9642,10 +10061,10 @@
       </p:sp>
       <p:sp>
         <p:nvSpPr>
-          <p:cNvPr id="27" name="TextBox 26">
+          <p:cNvPr id="56" name="TextBox 55">
             <a:extLst>
               <a:ext uri="{FF2B5EF4-FFF2-40B4-BE49-F238E27FC236}">
-                <a16:creationId xmlns:a16="http://schemas.microsoft.com/office/drawing/2014/main" id="{FD4231D4-4BB8-FFF7-AAFA-B4AC0DF115B7}"/>
+                <a16:creationId xmlns:a16="http://schemas.microsoft.com/office/drawing/2014/main" id="{F026242C-C6F4-1F39-7318-2425F6E25D62}"/>
               </a:ext>
             </a:extLst>
           </p:cNvPr>
@@ -9654,7 +10073,7 @@
         </p:nvSpPr>
         <p:spPr>
           <a:xfrm>
-            <a:off x="3942643" y="2528471"/>
+            <a:off x="4253124" y="3179872"/>
             <a:ext cx="835629" cy="348557"/>
           </a:xfrm>
           <a:prstGeom prst="rect">
@@ -9684,10 +10103,10 @@
       </p:sp>
       <p:sp>
         <p:nvSpPr>
-          <p:cNvPr id="28" name="TextBox 27">
+          <p:cNvPr id="57" name="TextBox 56">
             <a:extLst>
               <a:ext uri="{FF2B5EF4-FFF2-40B4-BE49-F238E27FC236}">
-                <a16:creationId xmlns:a16="http://schemas.microsoft.com/office/drawing/2014/main" id="{1C26F713-6D01-677F-D6C7-E7AC97CEC54E}"/>
+                <a16:creationId xmlns:a16="http://schemas.microsoft.com/office/drawing/2014/main" id="{B2177140-D34A-26CA-0A98-59A648024D70}"/>
               </a:ext>
             </a:extLst>
           </p:cNvPr>
@@ -9696,7 +10115,7 @@
         </p:nvSpPr>
         <p:spPr>
           <a:xfrm>
-            <a:off x="4956559" y="2505421"/>
+            <a:off x="5269267" y="3170208"/>
             <a:ext cx="960207" cy="348557"/>
           </a:xfrm>
           <a:prstGeom prst="rect">
@@ -9724,10 +10143,10 @@
       </p:sp>
       <p:sp>
         <p:nvSpPr>
-          <p:cNvPr id="29" name="TextBox 28">
+          <p:cNvPr id="58" name="TextBox 57">
             <a:extLst>
               <a:ext uri="{FF2B5EF4-FFF2-40B4-BE49-F238E27FC236}">
-                <a16:creationId xmlns:a16="http://schemas.microsoft.com/office/drawing/2014/main" id="{01CEF34C-3B54-7657-0643-CDD0D03FC17F}"/>
+                <a16:creationId xmlns:a16="http://schemas.microsoft.com/office/drawing/2014/main" id="{DE811178-CDB4-E20B-2FD0-BBA78FB161F6}"/>
               </a:ext>
             </a:extLst>
           </p:cNvPr>
@@ -9736,7 +10155,7 @@
         </p:nvSpPr>
         <p:spPr>
           <a:xfrm>
-            <a:off x="2035269" y="4169300"/>
+            <a:off x="2347977" y="4834088"/>
             <a:ext cx="835629" cy="348557"/>
           </a:xfrm>
           <a:prstGeom prst="rect">
@@ -9766,10 +10185,10 @@
       </p:sp>
       <p:sp>
         <p:nvSpPr>
-          <p:cNvPr id="30" name="TextBox 29">
+          <p:cNvPr id="59" name="TextBox 58">
             <a:extLst>
               <a:ext uri="{FF2B5EF4-FFF2-40B4-BE49-F238E27FC236}">
-                <a16:creationId xmlns:a16="http://schemas.microsoft.com/office/drawing/2014/main" id="{8844BF00-001C-72B4-B8E7-CDB1B9AF0786}"/>
+                <a16:creationId xmlns:a16="http://schemas.microsoft.com/office/drawing/2014/main" id="{D596C0C5-DDE7-BE11-0B00-88F5743C7786}"/>
               </a:ext>
             </a:extLst>
           </p:cNvPr>
@@ -9778,7 +10197,7 @@
         </p:nvSpPr>
         <p:spPr>
           <a:xfrm>
-            <a:off x="3049185" y="4146250"/>
+            <a:off x="3361893" y="4811038"/>
             <a:ext cx="960207" cy="348557"/>
           </a:xfrm>
           <a:prstGeom prst="rect">
@@ -9806,10 +10225,10 @@
       </p:sp>
       <p:sp>
         <p:nvSpPr>
-          <p:cNvPr id="31" name="TextBox 30">
+          <p:cNvPr id="60" name="TextBox 59">
             <a:extLst>
               <a:ext uri="{FF2B5EF4-FFF2-40B4-BE49-F238E27FC236}">
-                <a16:creationId xmlns:a16="http://schemas.microsoft.com/office/drawing/2014/main" id="{82738668-A059-EB7F-6D54-A0DA046A57F0}"/>
+                <a16:creationId xmlns:a16="http://schemas.microsoft.com/office/drawing/2014/main" id="{876C2AE2-CC25-4C7D-8A48-01F451792CAA}"/>
               </a:ext>
             </a:extLst>
           </p:cNvPr>
@@ -9818,7 +10237,7 @@
         </p:nvSpPr>
         <p:spPr>
           <a:xfrm>
-            <a:off x="2049817" y="2555574"/>
+            <a:off x="2320044" y="3192728"/>
             <a:ext cx="835629" cy="348557"/>
           </a:xfrm>
           <a:prstGeom prst="rect">
@@ -9848,10 +10267,10 @@
       </p:sp>
       <p:sp>
         <p:nvSpPr>
-          <p:cNvPr id="32" name="TextBox 31">
+          <p:cNvPr id="61" name="TextBox 60">
             <a:extLst>
               <a:ext uri="{FF2B5EF4-FFF2-40B4-BE49-F238E27FC236}">
-                <a16:creationId xmlns:a16="http://schemas.microsoft.com/office/drawing/2014/main" id="{745EABBA-E809-F19D-E5C4-261C72421066}"/>
+                <a16:creationId xmlns:a16="http://schemas.microsoft.com/office/drawing/2014/main" id="{98370586-A48D-FCB5-35C4-7DA5F6330944}"/>
               </a:ext>
             </a:extLst>
           </p:cNvPr>
@@ -9860,7 +10279,7 @@
         </p:nvSpPr>
         <p:spPr>
           <a:xfrm>
-            <a:off x="3063733" y="2532524"/>
+            <a:off x="3376442" y="3197311"/>
             <a:ext cx="960207" cy="348557"/>
           </a:xfrm>
           <a:prstGeom prst="rect">
@@ -9888,10 +10307,10 @@
       </p:sp>
       <p:sp>
         <p:nvSpPr>
-          <p:cNvPr id="35" name="Freeform 34">
+          <p:cNvPr id="62" name="Freeform 61">
             <a:extLst>
               <a:ext uri="{FF2B5EF4-FFF2-40B4-BE49-F238E27FC236}">
-                <a16:creationId xmlns:a16="http://schemas.microsoft.com/office/drawing/2014/main" id="{AA1B5EE9-114D-E3AC-836B-F1D84EBDFFA2}"/>
+                <a16:creationId xmlns:a16="http://schemas.microsoft.com/office/drawing/2014/main" id="{16186FA5-53E6-D691-D443-295DFEE5D37C}"/>
               </a:ext>
             </a:extLst>
           </p:cNvPr>
@@ -9900,8 +10319,8 @@
         </p:nvSpPr>
         <p:spPr>
           <a:xfrm>
-            <a:off x="4062087" y="2926233"/>
-            <a:ext cx="847627" cy="161610"/>
+            <a:off x="2454817" y="3474420"/>
+            <a:ext cx="770424" cy="318809"/>
           </a:xfrm>
           <a:custGeom>
             <a:avLst/>
@@ -10045,10 +10464,10 @@
       </p:sp>
       <p:sp>
         <p:nvSpPr>
-          <p:cNvPr id="36" name="Freeform 35">
+          <p:cNvPr id="63" name="Freeform 62">
             <a:extLst>
               <a:ext uri="{FF2B5EF4-FFF2-40B4-BE49-F238E27FC236}">
-                <a16:creationId xmlns:a16="http://schemas.microsoft.com/office/drawing/2014/main" id="{2C89B84E-70F7-12D7-1935-77E87EE3E9C8}"/>
+                <a16:creationId xmlns:a16="http://schemas.microsoft.com/office/drawing/2014/main" id="{41D5AD1F-428E-83AC-280B-9016B14493DE}"/>
               </a:ext>
             </a:extLst>
           </p:cNvPr>
@@ -10057,8 +10476,8 @@
         </p:nvSpPr>
         <p:spPr>
           <a:xfrm>
-            <a:off x="5035930" y="2818501"/>
-            <a:ext cx="829437" cy="295315"/>
+            <a:off x="3381821" y="3594905"/>
+            <a:ext cx="829437" cy="195056"/>
           </a:xfrm>
           <a:custGeom>
             <a:avLst/>
@@ -10262,10 +10681,10 @@
       </p:sp>
       <p:sp>
         <p:nvSpPr>
-          <p:cNvPr id="37" name="Freeform 36">
+          <p:cNvPr id="64" name="Freeform 63">
             <a:extLst>
               <a:ext uri="{FF2B5EF4-FFF2-40B4-BE49-F238E27FC236}">
-                <a16:creationId xmlns:a16="http://schemas.microsoft.com/office/drawing/2014/main" id="{C3C89012-6E2F-DC0C-DCC9-0F068B35C1D2}"/>
+                <a16:creationId xmlns:a16="http://schemas.microsoft.com/office/drawing/2014/main" id="{911A27F5-81B4-DC63-6427-8381777D62D9}"/>
               </a:ext>
             </a:extLst>
           </p:cNvPr>
@@ -10274,8 +10693,8 @@
         </p:nvSpPr>
         <p:spPr>
           <a:xfrm>
-            <a:off x="4071144" y="4431350"/>
-            <a:ext cx="702110" cy="383807"/>
+            <a:off x="2542422" y="5245977"/>
+            <a:ext cx="654226" cy="196795"/>
           </a:xfrm>
           <a:custGeom>
             <a:avLst/>
@@ -10379,10 +10798,10 @@
       </p:sp>
       <p:sp>
         <p:nvSpPr>
-          <p:cNvPr id="38" name="Freeform 37">
+          <p:cNvPr id="65" name="Freeform 64">
             <a:extLst>
               <a:ext uri="{FF2B5EF4-FFF2-40B4-BE49-F238E27FC236}">
-                <a16:creationId xmlns:a16="http://schemas.microsoft.com/office/drawing/2014/main" id="{6B640B05-8D13-3280-F000-A155EA42EC48}"/>
+                <a16:creationId xmlns:a16="http://schemas.microsoft.com/office/drawing/2014/main" id="{54445726-32D5-7583-C5BA-8FEEB436B604}"/>
               </a:ext>
             </a:extLst>
           </p:cNvPr>
@@ -10391,8 +10810,8 @@
         </p:nvSpPr>
         <p:spPr>
           <a:xfrm>
-            <a:off x="5007129" y="4590066"/>
-            <a:ext cx="774869" cy="185226"/>
+            <a:off x="3394076" y="5120812"/>
+            <a:ext cx="774869" cy="328753"/>
           </a:xfrm>
           <a:custGeom>
             <a:avLst/>
@@ -10556,10 +10975,10 @@
       </p:sp>
       <p:sp>
         <p:nvSpPr>
-          <p:cNvPr id="41" name="Freeform 40">
+          <p:cNvPr id="66" name="Freeform 65">
             <a:extLst>
               <a:ext uri="{FF2B5EF4-FFF2-40B4-BE49-F238E27FC236}">
-                <a16:creationId xmlns:a16="http://schemas.microsoft.com/office/drawing/2014/main" id="{33B7082F-E5E3-DA5F-4E77-7FEE783434C5}"/>
+                <a16:creationId xmlns:a16="http://schemas.microsoft.com/office/drawing/2014/main" id="{BAB469D3-470F-CE1E-2739-94648359A3B0}"/>
               </a:ext>
             </a:extLst>
           </p:cNvPr>
@@ -10567,9 +10986,9 @@
           <p:nvPr/>
         </p:nvSpPr>
         <p:spPr>
-          <a:xfrm>
-            <a:off x="2117657" y="2973281"/>
-            <a:ext cx="885009" cy="191993"/>
+          <a:xfrm rot="21401619">
+            <a:off x="4333093" y="3518508"/>
+            <a:ext cx="879024" cy="382308"/>
           </a:xfrm>
           <a:custGeom>
             <a:avLst/>
@@ -10737,10 +11156,10 @@
       </p:sp>
       <p:sp>
         <p:nvSpPr>
-          <p:cNvPr id="43" name="Freeform 42">
+          <p:cNvPr id="67" name="Freeform 66">
             <a:extLst>
               <a:ext uri="{FF2B5EF4-FFF2-40B4-BE49-F238E27FC236}">
-                <a16:creationId xmlns:a16="http://schemas.microsoft.com/office/drawing/2014/main" id="{52EF8208-109F-0DBC-B27D-F08A65726079}"/>
+                <a16:creationId xmlns:a16="http://schemas.microsoft.com/office/drawing/2014/main" id="{0EF3B8A4-E2D0-AF9C-E122-697E4DCC1511}"/>
               </a:ext>
             </a:extLst>
           </p:cNvPr>
@@ -10749,8 +11168,8 @@
         </p:nvSpPr>
         <p:spPr>
           <a:xfrm>
-            <a:off x="2146336" y="4467106"/>
-            <a:ext cx="691919" cy="357688"/>
+            <a:off x="4387533" y="5212882"/>
+            <a:ext cx="864668" cy="160114"/>
           </a:xfrm>
           <a:custGeom>
             <a:avLst/>
@@ -10886,10 +11305,10 @@
       </p:sp>
       <p:sp>
         <p:nvSpPr>
-          <p:cNvPr id="44" name="Freeform 43">
+          <p:cNvPr id="68" name="Freeform 67">
             <a:extLst>
               <a:ext uri="{FF2B5EF4-FFF2-40B4-BE49-F238E27FC236}">
-                <a16:creationId xmlns:a16="http://schemas.microsoft.com/office/drawing/2014/main" id="{B19204EA-AA05-C3FE-CFA6-575FC74BDDEF}"/>
+                <a16:creationId xmlns:a16="http://schemas.microsoft.com/office/drawing/2014/main" id="{CBFADFDE-9C49-E4B3-C5F0-ED7659148453}"/>
               </a:ext>
             </a:extLst>
           </p:cNvPr>
@@ -10898,8 +11317,8 @@
         </p:nvSpPr>
         <p:spPr>
           <a:xfrm>
-            <a:off x="3028744" y="4621674"/>
-            <a:ext cx="856722" cy="192791"/>
+            <a:off x="5398330" y="5090870"/>
+            <a:ext cx="743783" cy="292458"/>
           </a:xfrm>
           <a:custGeom>
             <a:avLst/>
@@ -11119,10 +11538,10 @@
       </p:sp>
       <p:sp>
         <p:nvSpPr>
-          <p:cNvPr id="48" name="Right Arrow 47">
+          <p:cNvPr id="69" name="Right Arrow 68">
             <a:extLst>
               <a:ext uri="{FF2B5EF4-FFF2-40B4-BE49-F238E27FC236}">
-                <a16:creationId xmlns:a16="http://schemas.microsoft.com/office/drawing/2014/main" id="{5441A820-F285-512B-9FBD-B29446EC65C9}"/>
+                <a16:creationId xmlns:a16="http://schemas.microsoft.com/office/drawing/2014/main" id="{8A72C87B-E5B4-8E4A-C79B-212266CF43F4}"/>
               </a:ext>
             </a:extLst>
           </p:cNvPr>
@@ -11130,8 +11549,8 @@
           <p:nvPr/>
         </p:nvSpPr>
         <p:spPr>
-          <a:xfrm>
-            <a:off x="6804612" y="3364211"/>
+          <a:xfrm rot="16200000">
+            <a:off x="7501020" y="4527563"/>
             <a:ext cx="414756" cy="140970"/>
           </a:xfrm>
           <a:prstGeom prst="rightArrow">
@@ -11177,10 +11596,10 @@
       </p:sp>
       <p:sp>
         <p:nvSpPr>
-          <p:cNvPr id="51" name="Right Arrow 50">
+          <p:cNvPr id="70" name="Right Arrow 69">
             <a:extLst>
               <a:ext uri="{FF2B5EF4-FFF2-40B4-BE49-F238E27FC236}">
-                <a16:creationId xmlns:a16="http://schemas.microsoft.com/office/drawing/2014/main" id="{6AD09DAD-BD0A-7BD6-B34F-FD14A84237D1}"/>
+                <a16:creationId xmlns:a16="http://schemas.microsoft.com/office/drawing/2014/main" id="{8E439041-37BB-9C36-551C-4E7E7439976F}"/>
               </a:ext>
             </a:extLst>
           </p:cNvPr>
@@ -11188,8 +11607,8 @@
           <p:nvPr/>
         </p:nvSpPr>
         <p:spPr>
-          <a:xfrm rot="10800000">
-            <a:off x="6794543" y="4073807"/>
+          <a:xfrm rot="5400000">
+            <a:off x="7501020" y="5319538"/>
             <a:ext cx="414756" cy="140970"/>
           </a:xfrm>
           <a:prstGeom prst="rightArrow">
@@ -11231,10 +11650,10 @@
       </p:sp>
       <p:sp>
         <p:nvSpPr>
-          <p:cNvPr id="54" name="TextBox 53">
+          <p:cNvPr id="71" name="TextBox 70">
             <a:extLst>
               <a:ext uri="{FF2B5EF4-FFF2-40B4-BE49-F238E27FC236}">
-                <a16:creationId xmlns:a16="http://schemas.microsoft.com/office/drawing/2014/main" id="{4F860CD8-DF44-BC46-73E6-995435A62110}"/>
+                <a16:creationId xmlns:a16="http://schemas.microsoft.com/office/drawing/2014/main" id="{BF0076F8-A4AB-5543-7C87-12C4F8794C7C}"/>
               </a:ext>
             </a:extLst>
           </p:cNvPr>
@@ -11243,8 +11662,8 @@
         </p:nvSpPr>
         <p:spPr>
           <a:xfrm>
-            <a:off x="6284031" y="2631650"/>
-            <a:ext cx="1958228" cy="690189"/>
+            <a:off x="6435733" y="3297210"/>
+            <a:ext cx="1988434" cy="889474"/>
           </a:xfrm>
           <a:prstGeom prst="rect">
             <a:avLst/>
@@ -11261,17 +11680,17 @@
               <a:rPr lang="en-US" sz="1295" dirty="0">
                 <a:latin typeface="Helvetica" pitchFamily="2" charset="0"/>
               </a:rPr>
-              <a:t>Peak timing shift under future precipitation intensification:</a:t>
+              <a:t>Peak magnitude shift under future precipitation intensification:</a:t>
             </a:r>
           </a:p>
         </p:txBody>
       </p:sp>
       <p:sp>
         <p:nvSpPr>
-          <p:cNvPr id="2" name="Freeform 1">
+          <p:cNvPr id="72" name="Freeform 71">
             <a:extLst>
               <a:ext uri="{FF2B5EF4-FFF2-40B4-BE49-F238E27FC236}">
-                <a16:creationId xmlns:a16="http://schemas.microsoft.com/office/drawing/2014/main" id="{8F062D2C-E35D-E0C6-14EE-BD73AD72FA92}"/>
+                <a16:creationId xmlns:a16="http://schemas.microsoft.com/office/drawing/2014/main" id="{E7B93802-D8FA-3281-9A06-BA827645C291}"/>
               </a:ext>
             </a:extLst>
           </p:cNvPr>
@@ -11280,8 +11699,8 @@
         </p:nvSpPr>
         <p:spPr>
           <a:xfrm>
-            <a:off x="3139801" y="2866939"/>
-            <a:ext cx="829437" cy="286712"/>
+            <a:off x="5320246" y="3681768"/>
+            <a:ext cx="829437" cy="191470"/>
           </a:xfrm>
           <a:custGeom>
             <a:avLst/>
@@ -11493,10 +11912,10 @@
       </p:sp>
       <p:sp>
         <p:nvSpPr>
-          <p:cNvPr id="3" name="TextBox 2">
+          <p:cNvPr id="73" name="TextBox 72">
             <a:extLst>
               <a:ext uri="{FF2B5EF4-FFF2-40B4-BE49-F238E27FC236}">
-                <a16:creationId xmlns:a16="http://schemas.microsoft.com/office/drawing/2014/main" id="{6EFCBB1E-200C-FB94-ABB7-1BC99FBC6F03}"/>
+                <a16:creationId xmlns:a16="http://schemas.microsoft.com/office/drawing/2014/main" id="{FC8A020A-7BBC-1E9E-F18E-A45E92223F30}"/>
               </a:ext>
             </a:extLst>
           </p:cNvPr>
@@ -11505,8 +11924,8 @@
         </p:nvSpPr>
         <p:spPr>
           <a:xfrm>
-            <a:off x="6284031" y="3477726"/>
-            <a:ext cx="1870674" cy="490904"/>
+            <a:off x="6420465" y="4279963"/>
+            <a:ext cx="1338191" cy="690189"/>
           </a:xfrm>
           <a:prstGeom prst="rect">
             <a:avLst/>
@@ -11528,2692 +11947,7 @@
                 </a:solidFill>
                 <a:latin typeface="Helvetica" pitchFamily="2" charset="0"/>
               </a:rPr>
-              <a:t>Water responses will be more delayed</a:t>
-            </a:r>
-          </a:p>
-        </p:txBody>
-      </p:sp>
-      <p:sp>
-        <p:nvSpPr>
-          <p:cNvPr id="4" name="TextBox 3">
-            <a:extLst>
-              <a:ext uri="{FF2B5EF4-FFF2-40B4-BE49-F238E27FC236}">
-                <a16:creationId xmlns:a16="http://schemas.microsoft.com/office/drawing/2014/main" id="{B77DDF40-BC79-D4AF-FD7F-578FDEF068FE}"/>
-              </a:ext>
-            </a:extLst>
-          </p:cNvPr>
-          <p:cNvSpPr txBox="1"/>
-          <p:nvPr/>
-        </p:nvSpPr>
-        <p:spPr>
-          <a:xfrm>
-            <a:off x="6284031" y="4234090"/>
-            <a:ext cx="1687050" cy="490904"/>
-          </a:xfrm>
-          <a:prstGeom prst="rect">
-            <a:avLst/>
-          </a:prstGeom>
-          <a:noFill/>
-        </p:spPr>
-        <p:txBody>
-          <a:bodyPr wrap="square" rtlCol="0">
-            <a:spAutoFit/>
-          </a:bodyPr>
-          <a:lstStyle/>
-          <a:p>
-            <a:r>
-              <a:rPr lang="en-US" sz="1295" dirty="0">
-                <a:solidFill>
-                  <a:srgbClr val="307E58"/>
-                </a:solidFill>
-                <a:latin typeface="Helvetica" pitchFamily="2" charset="0"/>
-              </a:rPr>
-              <a:t>Carbon responses will be faster</a:t>
-            </a:r>
-          </a:p>
-        </p:txBody>
-      </p:sp>
-      <p:sp>
-        <p:nvSpPr>
-          <p:cNvPr id="5" name="TextBox 4">
-            <a:extLst>
-              <a:ext uri="{FF2B5EF4-FFF2-40B4-BE49-F238E27FC236}">
-                <a16:creationId xmlns:a16="http://schemas.microsoft.com/office/drawing/2014/main" id="{25AB5917-8D93-136F-5655-1BD8A7A6A46D}"/>
-              </a:ext>
-            </a:extLst>
-          </p:cNvPr>
-          <p:cNvSpPr txBox="1"/>
-          <p:nvPr/>
-        </p:nvSpPr>
-        <p:spPr>
-          <a:xfrm>
-            <a:off x="2021714" y="5347000"/>
-            <a:ext cx="1798527" cy="433965"/>
-          </a:xfrm>
-          <a:prstGeom prst="rect">
-            <a:avLst/>
-          </a:prstGeom>
-          <a:noFill/>
-        </p:spPr>
-        <p:txBody>
-          <a:bodyPr wrap="square" rtlCol="0">
-            <a:spAutoFit/>
-          </a:bodyPr>
-          <a:lstStyle/>
-          <a:p>
-            <a:r>
-              <a:rPr lang="en-US" sz="1110" dirty="0">
-                <a:latin typeface="Helvetica" pitchFamily="2" charset="0"/>
-              </a:rPr>
-              <a:t>All responses are more delayed at colder MATs </a:t>
-            </a:r>
-          </a:p>
-        </p:txBody>
-      </p:sp>
-      <p:sp>
-        <p:nvSpPr>
-          <p:cNvPr id="6" name="TextBox 5">
-            <a:extLst>
-              <a:ext uri="{FF2B5EF4-FFF2-40B4-BE49-F238E27FC236}">
-                <a16:creationId xmlns:a16="http://schemas.microsoft.com/office/drawing/2014/main" id="{B1E5AB0F-5F93-FF1F-13D6-D849FDD8BB5F}"/>
-              </a:ext>
-            </a:extLst>
-          </p:cNvPr>
-          <p:cNvSpPr txBox="1"/>
-          <p:nvPr/>
-        </p:nvSpPr>
-        <p:spPr>
-          <a:xfrm>
-            <a:off x="3952136" y="5171412"/>
-            <a:ext cx="1906809" cy="604781"/>
-          </a:xfrm>
-          <a:prstGeom prst="rect">
-            <a:avLst/>
-          </a:prstGeom>
-          <a:noFill/>
-        </p:spPr>
-        <p:txBody>
-          <a:bodyPr wrap="square" rtlCol="0">
-            <a:spAutoFit/>
-          </a:bodyPr>
-          <a:lstStyle/>
-          <a:p>
-            <a:r>
-              <a:rPr lang="en-US" sz="1110" dirty="0">
-                <a:latin typeface="Helvetica" pitchFamily="2" charset="0"/>
-              </a:rPr>
-              <a:t>Water responses are faster and greater in hot and dry ecosystems</a:t>
-            </a:r>
-          </a:p>
-        </p:txBody>
-      </p:sp>
-      <p:sp>
-        <p:nvSpPr>
-          <p:cNvPr id="7" name="TextBox 6">
-            <a:extLst>
-              <a:ext uri="{FF2B5EF4-FFF2-40B4-BE49-F238E27FC236}">
-                <a16:creationId xmlns:a16="http://schemas.microsoft.com/office/drawing/2014/main" id="{D97FCB58-1F80-9592-1782-93F6B117F1A1}"/>
-              </a:ext>
-            </a:extLst>
-          </p:cNvPr>
-          <p:cNvSpPr txBox="1"/>
-          <p:nvPr/>
-        </p:nvSpPr>
-        <p:spPr>
-          <a:xfrm>
-            <a:off x="3956177" y="3535820"/>
-            <a:ext cx="1960589" cy="604781"/>
-          </a:xfrm>
-          <a:prstGeom prst="rect">
-            <a:avLst/>
-          </a:prstGeom>
-          <a:noFill/>
-        </p:spPr>
-        <p:txBody>
-          <a:bodyPr wrap="square" rtlCol="0">
-            <a:spAutoFit/>
-          </a:bodyPr>
-          <a:lstStyle/>
-          <a:p>
-            <a:r>
-              <a:rPr lang="en-US" sz="1110" dirty="0">
-                <a:latin typeface="Helvetica" pitchFamily="2" charset="0"/>
-              </a:rPr>
-              <a:t>Carbon responses are faster and greater in hot and wet ecosystems</a:t>
-            </a:r>
-          </a:p>
-        </p:txBody>
-      </p:sp>
-    </p:spTree>
-    <p:extLst>
-      <p:ext uri="{BB962C8B-B14F-4D97-AF65-F5344CB8AC3E}">
-        <p14:creationId xmlns:p14="http://schemas.microsoft.com/office/powerpoint/2010/main" val="3520355477"/>
-      </p:ext>
-    </p:extLst>
-  </p:cSld>
-  <p:clrMapOvr>
-    <a:masterClrMapping/>
-  </p:clrMapOvr>
-</p:sld>
-</file>
-
-<file path=ppt/slides/slide6.xml><?xml version="1.0" encoding="utf-8"?>
-<p:sld xmlns:a="http://schemas.openxmlformats.org/drawingml/2006/main" xmlns:r="http://schemas.openxmlformats.org/officeDocument/2006/relationships" xmlns:p="http://schemas.openxmlformats.org/presentationml/2006/main">
-  <p:cSld>
-    <p:spTree>
-      <p:nvGrpSpPr>
-        <p:cNvPr id="1" name=""/>
-        <p:cNvGrpSpPr/>
-        <p:nvPr/>
-      </p:nvGrpSpPr>
-      <p:grpSpPr>
-        <a:xfrm>
-          <a:off x="0" y="0"/>
-          <a:ext cx="0" cy="0"/>
-          <a:chOff x="0" y="0"/>
-          <a:chExt cx="0" cy="0"/>
-        </a:xfrm>
-      </p:grpSpPr>
-      <p:pic>
-        <p:nvPicPr>
-          <p:cNvPr id="4" name="Picture 3" descr="A graph with a line and a line&#10;&#10;Description automatically generated with medium confidence">
-            <a:extLst>
-              <a:ext uri="{FF2B5EF4-FFF2-40B4-BE49-F238E27FC236}">
-                <a16:creationId xmlns:a16="http://schemas.microsoft.com/office/drawing/2014/main" id="{A50790F1-8674-57CC-F3A6-6CFD6CDBCB48}"/>
-              </a:ext>
-            </a:extLst>
-          </p:cNvPr>
-          <p:cNvPicPr>
-            <a:picLocks noChangeAspect="1"/>
-          </p:cNvPicPr>
-          <p:nvPr/>
-        </p:nvPicPr>
-        <p:blipFill>
-          <a:blip r:embed="rId2" cstate="print">
-            <a:extLst>
-              <a:ext uri="{28A0092B-C50C-407E-A947-70E740481C1C}">
-                <a14:useLocalDpi xmlns:a14="http://schemas.microsoft.com/office/drawing/2010/main" val="0"/>
-              </a:ext>
-            </a:extLst>
-          </a:blip>
-          <a:stretch>
-            <a:fillRect/>
-          </a:stretch>
-        </p:blipFill>
-        <p:spPr>
-          <a:xfrm>
-            <a:off x="1376716" y="648649"/>
-            <a:ext cx="6716383" cy="2518644"/>
-          </a:xfrm>
-          <a:prstGeom prst="rect">
-            <a:avLst/>
-          </a:prstGeom>
-        </p:spPr>
-      </p:pic>
-      <p:sp>
-        <p:nvSpPr>
-          <p:cNvPr id="6" name="TextBox 5">
-            <a:extLst>
-              <a:ext uri="{FF2B5EF4-FFF2-40B4-BE49-F238E27FC236}">
-                <a16:creationId xmlns:a16="http://schemas.microsoft.com/office/drawing/2014/main" id="{01417A17-AFAF-C8FE-0A61-E15AFC65A8B8}"/>
-              </a:ext>
-            </a:extLst>
-          </p:cNvPr>
-          <p:cNvSpPr txBox="1"/>
-          <p:nvPr/>
-        </p:nvSpPr>
-        <p:spPr>
-          <a:xfrm>
-            <a:off x="1739854" y="2843412"/>
-            <a:ext cx="507797" cy="348557"/>
-          </a:xfrm>
-          <a:prstGeom prst="rect">
-            <a:avLst/>
-          </a:prstGeom>
-          <a:noFill/>
-        </p:spPr>
-        <p:txBody>
-          <a:bodyPr wrap="square" rtlCol="0">
-            <a:spAutoFit/>
-          </a:bodyPr>
-          <a:lstStyle/>
-          <a:p>
-            <a:r>
-              <a:rPr lang="en-US" sz="1665" dirty="0">
-                <a:latin typeface="Helvetica" pitchFamily="2" charset="0"/>
-              </a:rPr>
-              <a:t>(D)</a:t>
-            </a:r>
-          </a:p>
-        </p:txBody>
-      </p:sp>
-      <p:cxnSp>
-        <p:nvCxnSpPr>
-          <p:cNvPr id="42" name="Straight Connector 41">
-            <a:extLst>
-              <a:ext uri="{FF2B5EF4-FFF2-40B4-BE49-F238E27FC236}">
-                <a16:creationId xmlns:a16="http://schemas.microsoft.com/office/drawing/2014/main" id="{209EF8C9-BB63-CD8A-F01A-617D381866A3}"/>
-              </a:ext>
-            </a:extLst>
-          </p:cNvPr>
-          <p:cNvCxnSpPr>
-            <a:cxnSpLocks/>
-          </p:cNvCxnSpPr>
-          <p:nvPr/>
-        </p:nvCxnSpPr>
-        <p:spPr>
-          <a:xfrm>
-            <a:off x="2361019" y="3183333"/>
-            <a:ext cx="0" cy="3271183"/>
-          </a:xfrm>
-          <a:prstGeom prst="line">
-            <a:avLst/>
-          </a:prstGeom>
-          <a:ln w="38100"/>
-        </p:spPr>
-        <p:style>
-          <a:lnRef idx="2">
-            <a:schemeClr val="dk1"/>
-          </a:lnRef>
-          <a:fillRef idx="0">
-            <a:schemeClr val="dk1"/>
-          </a:fillRef>
-          <a:effectRef idx="1">
-            <a:schemeClr val="dk1"/>
-          </a:effectRef>
-          <a:fontRef idx="minor">
-            <a:schemeClr val="tx1"/>
-          </a:fontRef>
-        </p:style>
-      </p:cxnSp>
-      <p:cxnSp>
-        <p:nvCxnSpPr>
-          <p:cNvPr id="43" name="Straight Connector 42">
-            <a:extLst>
-              <a:ext uri="{FF2B5EF4-FFF2-40B4-BE49-F238E27FC236}">
-                <a16:creationId xmlns:a16="http://schemas.microsoft.com/office/drawing/2014/main" id="{8953DF5A-F19B-C561-270B-8A68C36B5249}"/>
-              </a:ext>
-            </a:extLst>
-          </p:cNvPr>
-          <p:cNvCxnSpPr>
-            <a:cxnSpLocks/>
-          </p:cNvCxnSpPr>
-          <p:nvPr/>
-        </p:nvCxnSpPr>
-        <p:spPr>
-          <a:xfrm flipH="1">
-            <a:off x="2361020" y="6454516"/>
-            <a:ext cx="3841857" cy="0"/>
-          </a:xfrm>
-          <a:prstGeom prst="line">
-            <a:avLst/>
-          </a:prstGeom>
-          <a:ln w="38100"/>
-        </p:spPr>
-        <p:style>
-          <a:lnRef idx="2">
-            <a:schemeClr val="dk1"/>
-          </a:lnRef>
-          <a:fillRef idx="0">
-            <a:schemeClr val="dk1"/>
-          </a:fillRef>
-          <a:effectRef idx="1">
-            <a:schemeClr val="dk1"/>
-          </a:effectRef>
-          <a:fontRef idx="minor">
-            <a:schemeClr val="tx1"/>
-          </a:fontRef>
-        </p:style>
-      </p:cxnSp>
-      <p:sp>
-        <p:nvSpPr>
-          <p:cNvPr id="44" name="TextBox 43">
-            <a:extLst>
-              <a:ext uri="{FF2B5EF4-FFF2-40B4-BE49-F238E27FC236}">
-                <a16:creationId xmlns:a16="http://schemas.microsoft.com/office/drawing/2014/main" id="{BA31F38B-E309-B8F3-2592-411B433056CF}"/>
-              </a:ext>
-            </a:extLst>
-          </p:cNvPr>
-          <p:cNvSpPr txBox="1"/>
-          <p:nvPr/>
-        </p:nvSpPr>
-        <p:spPr>
-          <a:xfrm rot="16200000">
-            <a:off x="1278394" y="4461864"/>
-            <a:ext cx="835629" cy="348557"/>
-          </a:xfrm>
-          <a:prstGeom prst="rect">
-            <a:avLst/>
-          </a:prstGeom>
-          <a:noFill/>
-        </p:spPr>
-        <p:txBody>
-          <a:bodyPr wrap="square" rtlCol="0">
-            <a:spAutoFit/>
-          </a:bodyPr>
-          <a:lstStyle/>
-          <a:p>
-            <a:r>
-              <a:rPr lang="en-US" sz="1665" b="1" dirty="0">
-                <a:latin typeface="Helvetica" pitchFamily="2" charset="0"/>
-              </a:rPr>
-              <a:t>MAP</a:t>
-            </a:r>
-          </a:p>
-        </p:txBody>
-      </p:sp>
-      <p:sp>
-        <p:nvSpPr>
-          <p:cNvPr id="45" name="TextBox 44">
-            <a:extLst>
-              <a:ext uri="{FF2B5EF4-FFF2-40B4-BE49-F238E27FC236}">
-                <a16:creationId xmlns:a16="http://schemas.microsoft.com/office/drawing/2014/main" id="{8E7A533C-F7D3-129C-2F4A-1C0184A081D0}"/>
-              </a:ext>
-            </a:extLst>
-          </p:cNvPr>
-          <p:cNvSpPr txBox="1"/>
-          <p:nvPr/>
-        </p:nvSpPr>
-        <p:spPr>
-          <a:xfrm>
-            <a:off x="3966038" y="6705704"/>
-            <a:ext cx="835629" cy="348557"/>
-          </a:xfrm>
-          <a:prstGeom prst="rect">
-            <a:avLst/>
-          </a:prstGeom>
-          <a:noFill/>
-        </p:spPr>
-        <p:txBody>
-          <a:bodyPr wrap="square" rtlCol="0">
-            <a:spAutoFit/>
-          </a:bodyPr>
-          <a:lstStyle/>
-          <a:p>
-            <a:r>
-              <a:rPr lang="en-US" sz="1665" b="1" dirty="0">
-                <a:latin typeface="Helvetica" pitchFamily="2" charset="0"/>
-              </a:rPr>
-              <a:t>MAT</a:t>
-            </a:r>
-          </a:p>
-        </p:txBody>
-      </p:sp>
-      <p:sp>
-        <p:nvSpPr>
-          <p:cNvPr id="46" name="TextBox 45">
-            <a:extLst>
-              <a:ext uri="{FF2B5EF4-FFF2-40B4-BE49-F238E27FC236}">
-                <a16:creationId xmlns:a16="http://schemas.microsoft.com/office/drawing/2014/main" id="{4310F5E8-E319-F4A3-5E26-05ABD6A77359}"/>
-              </a:ext>
-            </a:extLst>
-          </p:cNvPr>
-          <p:cNvSpPr txBox="1"/>
-          <p:nvPr/>
-        </p:nvSpPr>
-        <p:spPr>
-          <a:xfrm>
-            <a:off x="2997658" y="6510648"/>
-            <a:ext cx="835629" cy="348557"/>
-          </a:xfrm>
-          <a:prstGeom prst="rect">
-            <a:avLst/>
-          </a:prstGeom>
-          <a:noFill/>
-        </p:spPr>
-        <p:txBody>
-          <a:bodyPr wrap="square" rtlCol="0">
-            <a:spAutoFit/>
-          </a:bodyPr>
-          <a:lstStyle/>
-          <a:p>
-            <a:r>
-              <a:rPr lang="en-US" sz="1665" dirty="0">
-                <a:latin typeface="Helvetica" pitchFamily="2" charset="0"/>
-              </a:rPr>
-              <a:t>Cold</a:t>
-            </a:r>
-          </a:p>
-        </p:txBody>
-      </p:sp>
-      <p:sp>
-        <p:nvSpPr>
-          <p:cNvPr id="47" name="TextBox 46">
-            <a:extLst>
-              <a:ext uri="{FF2B5EF4-FFF2-40B4-BE49-F238E27FC236}">
-                <a16:creationId xmlns:a16="http://schemas.microsoft.com/office/drawing/2014/main" id="{9313EBE3-FD83-D3BA-342B-11760B6E123B}"/>
-              </a:ext>
-            </a:extLst>
-          </p:cNvPr>
-          <p:cNvSpPr txBox="1"/>
-          <p:nvPr/>
-        </p:nvSpPr>
-        <p:spPr>
-          <a:xfrm>
-            <a:off x="4940338" y="6510648"/>
-            <a:ext cx="835629" cy="348557"/>
-          </a:xfrm>
-          <a:prstGeom prst="rect">
-            <a:avLst/>
-          </a:prstGeom>
-          <a:noFill/>
-        </p:spPr>
-        <p:txBody>
-          <a:bodyPr wrap="square" rtlCol="0">
-            <a:spAutoFit/>
-          </a:bodyPr>
-          <a:lstStyle/>
-          <a:p>
-            <a:r>
-              <a:rPr lang="en-US" sz="1665" dirty="0">
-                <a:latin typeface="Helvetica" pitchFamily="2" charset="0"/>
-              </a:rPr>
-              <a:t>Hot</a:t>
-            </a:r>
-          </a:p>
-        </p:txBody>
-      </p:sp>
-      <p:sp>
-        <p:nvSpPr>
-          <p:cNvPr id="48" name="TextBox 47">
-            <a:extLst>
-              <a:ext uri="{FF2B5EF4-FFF2-40B4-BE49-F238E27FC236}">
-                <a16:creationId xmlns:a16="http://schemas.microsoft.com/office/drawing/2014/main" id="{868E8D4B-BD7D-C8C6-0872-243EF2EB704B}"/>
-              </a:ext>
-            </a:extLst>
-          </p:cNvPr>
-          <p:cNvSpPr txBox="1"/>
-          <p:nvPr/>
-        </p:nvSpPr>
-        <p:spPr>
-          <a:xfrm>
-            <a:off x="1767967" y="3765808"/>
-            <a:ext cx="835629" cy="348557"/>
-          </a:xfrm>
-          <a:prstGeom prst="rect">
-            <a:avLst/>
-          </a:prstGeom>
-          <a:noFill/>
-        </p:spPr>
-        <p:txBody>
-          <a:bodyPr wrap="square" rtlCol="0">
-            <a:spAutoFit/>
-          </a:bodyPr>
-          <a:lstStyle/>
-          <a:p>
-            <a:r>
-              <a:rPr lang="en-US" sz="1665" dirty="0">
-                <a:latin typeface="Helvetica" pitchFamily="2" charset="0"/>
-              </a:rPr>
-              <a:t>Wet</a:t>
-            </a:r>
-          </a:p>
-        </p:txBody>
-      </p:sp>
-      <p:sp>
-        <p:nvSpPr>
-          <p:cNvPr id="49" name="TextBox 48">
-            <a:extLst>
-              <a:ext uri="{FF2B5EF4-FFF2-40B4-BE49-F238E27FC236}">
-                <a16:creationId xmlns:a16="http://schemas.microsoft.com/office/drawing/2014/main" id="{13143190-4B08-7275-0731-6EA9316CCAAA}"/>
-              </a:ext>
-            </a:extLst>
-          </p:cNvPr>
-          <p:cNvSpPr txBox="1"/>
-          <p:nvPr/>
-        </p:nvSpPr>
-        <p:spPr>
-          <a:xfrm>
-            <a:off x="1787923" y="5451866"/>
-            <a:ext cx="835629" cy="348557"/>
-          </a:xfrm>
-          <a:prstGeom prst="rect">
-            <a:avLst/>
-          </a:prstGeom>
-          <a:noFill/>
-        </p:spPr>
-        <p:txBody>
-          <a:bodyPr wrap="square" rtlCol="0">
-            <a:spAutoFit/>
-          </a:bodyPr>
-          <a:lstStyle/>
-          <a:p>
-            <a:r>
-              <a:rPr lang="en-US" sz="1665" dirty="0">
-                <a:latin typeface="Helvetica" pitchFamily="2" charset="0"/>
-              </a:rPr>
-              <a:t>Dry</a:t>
-            </a:r>
-          </a:p>
-        </p:txBody>
-      </p:sp>
-      <p:cxnSp>
-        <p:nvCxnSpPr>
-          <p:cNvPr id="50" name="Straight Connector 49">
-            <a:extLst>
-              <a:ext uri="{FF2B5EF4-FFF2-40B4-BE49-F238E27FC236}">
-                <a16:creationId xmlns:a16="http://schemas.microsoft.com/office/drawing/2014/main" id="{62BA1560-0E7C-823B-7D54-2011155A2C20}"/>
-              </a:ext>
-            </a:extLst>
-          </p:cNvPr>
-          <p:cNvCxnSpPr>
-            <a:cxnSpLocks/>
-          </p:cNvCxnSpPr>
-          <p:nvPr/>
-        </p:nvCxnSpPr>
-        <p:spPr>
-          <a:xfrm flipH="1">
-            <a:off x="2361020" y="4818925"/>
-            <a:ext cx="3841857" cy="0"/>
-          </a:xfrm>
-          <a:prstGeom prst="line">
-            <a:avLst/>
-          </a:prstGeom>
-          <a:ln w="38100"/>
-        </p:spPr>
-        <p:style>
-          <a:lnRef idx="2">
-            <a:schemeClr val="dk1"/>
-          </a:lnRef>
-          <a:fillRef idx="0">
-            <a:schemeClr val="dk1"/>
-          </a:fillRef>
-          <a:effectRef idx="1">
-            <a:schemeClr val="dk1"/>
-          </a:effectRef>
-          <a:fontRef idx="minor">
-            <a:schemeClr val="tx1"/>
-          </a:fontRef>
-        </p:style>
-      </p:cxnSp>
-      <p:cxnSp>
-        <p:nvCxnSpPr>
-          <p:cNvPr id="51" name="Straight Connector 50">
-            <a:extLst>
-              <a:ext uri="{FF2B5EF4-FFF2-40B4-BE49-F238E27FC236}">
-                <a16:creationId xmlns:a16="http://schemas.microsoft.com/office/drawing/2014/main" id="{3764A26D-0BFF-6AC2-7535-C27C114887FE}"/>
-              </a:ext>
-            </a:extLst>
-          </p:cNvPr>
-          <p:cNvCxnSpPr>
-            <a:cxnSpLocks/>
-          </p:cNvCxnSpPr>
-          <p:nvPr/>
-        </p:nvCxnSpPr>
-        <p:spPr>
-          <a:xfrm>
-            <a:off x="4281947" y="3183333"/>
-            <a:ext cx="0" cy="3271183"/>
-          </a:xfrm>
-          <a:prstGeom prst="line">
-            <a:avLst/>
-          </a:prstGeom>
-          <a:ln w="38100"/>
-        </p:spPr>
-        <p:style>
-          <a:lnRef idx="2">
-            <a:schemeClr val="dk1"/>
-          </a:lnRef>
-          <a:fillRef idx="0">
-            <a:schemeClr val="dk1"/>
-          </a:fillRef>
-          <a:effectRef idx="1">
-            <a:schemeClr val="dk1"/>
-          </a:effectRef>
-          <a:fontRef idx="minor">
-            <a:schemeClr val="tx1"/>
-          </a:fontRef>
-        </p:style>
-      </p:cxnSp>
-      <p:cxnSp>
-        <p:nvCxnSpPr>
-          <p:cNvPr id="52" name="Straight Connector 51">
-            <a:extLst>
-              <a:ext uri="{FF2B5EF4-FFF2-40B4-BE49-F238E27FC236}">
-                <a16:creationId xmlns:a16="http://schemas.microsoft.com/office/drawing/2014/main" id="{95E6788A-12D8-FDF7-7C40-DC1A39C5C86A}"/>
-              </a:ext>
-            </a:extLst>
-          </p:cNvPr>
-          <p:cNvCxnSpPr>
-            <a:cxnSpLocks/>
-          </p:cNvCxnSpPr>
-          <p:nvPr/>
-        </p:nvCxnSpPr>
-        <p:spPr>
-          <a:xfrm>
-            <a:off x="6202876" y="3183333"/>
-            <a:ext cx="0" cy="3271183"/>
-          </a:xfrm>
-          <a:prstGeom prst="line">
-            <a:avLst/>
-          </a:prstGeom>
-          <a:ln w="38100"/>
-        </p:spPr>
-        <p:style>
-          <a:lnRef idx="2">
-            <a:schemeClr val="dk1"/>
-          </a:lnRef>
-          <a:fillRef idx="0">
-            <a:schemeClr val="dk1"/>
-          </a:fillRef>
-          <a:effectRef idx="1">
-            <a:schemeClr val="dk1"/>
-          </a:effectRef>
-          <a:fontRef idx="minor">
-            <a:schemeClr val="tx1"/>
-          </a:fontRef>
-        </p:style>
-      </p:cxnSp>
-      <p:cxnSp>
-        <p:nvCxnSpPr>
-          <p:cNvPr id="53" name="Straight Connector 52">
-            <a:extLst>
-              <a:ext uri="{FF2B5EF4-FFF2-40B4-BE49-F238E27FC236}">
-                <a16:creationId xmlns:a16="http://schemas.microsoft.com/office/drawing/2014/main" id="{57AF487D-1A8A-9038-E262-577949511D31}"/>
-              </a:ext>
-            </a:extLst>
-          </p:cNvPr>
-          <p:cNvCxnSpPr>
-            <a:cxnSpLocks/>
-          </p:cNvCxnSpPr>
-          <p:nvPr/>
-        </p:nvCxnSpPr>
-        <p:spPr>
-          <a:xfrm flipH="1">
-            <a:off x="2361019" y="3195358"/>
-            <a:ext cx="3841857" cy="0"/>
-          </a:xfrm>
-          <a:prstGeom prst="line">
-            <a:avLst/>
-          </a:prstGeom>
-          <a:ln w="38100"/>
-        </p:spPr>
-        <p:style>
-          <a:lnRef idx="2">
-            <a:schemeClr val="dk1"/>
-          </a:lnRef>
-          <a:fillRef idx="0">
-            <a:schemeClr val="dk1"/>
-          </a:fillRef>
-          <a:effectRef idx="1">
-            <a:schemeClr val="dk1"/>
-          </a:effectRef>
-          <a:fontRef idx="minor">
-            <a:schemeClr val="tx1"/>
-          </a:fontRef>
-        </p:style>
-      </p:cxnSp>
-      <p:sp>
-        <p:nvSpPr>
-          <p:cNvPr id="54" name="TextBox 53">
-            <a:extLst>
-              <a:ext uri="{FF2B5EF4-FFF2-40B4-BE49-F238E27FC236}">
-                <a16:creationId xmlns:a16="http://schemas.microsoft.com/office/drawing/2014/main" id="{9DCE37C1-8588-703D-7CAB-6ED7C75CE5A1}"/>
-              </a:ext>
-            </a:extLst>
-          </p:cNvPr>
-          <p:cNvSpPr txBox="1"/>
-          <p:nvPr/>
-        </p:nvSpPr>
-        <p:spPr>
-          <a:xfrm>
-            <a:off x="4281947" y="4818924"/>
-            <a:ext cx="835629" cy="348557"/>
-          </a:xfrm>
-          <a:prstGeom prst="rect">
-            <a:avLst/>
-          </a:prstGeom>
-          <a:noFill/>
-        </p:spPr>
-        <p:txBody>
-          <a:bodyPr wrap="square" rtlCol="0">
-            <a:spAutoFit/>
-          </a:bodyPr>
-          <a:lstStyle/>
-          <a:p>
-            <a:r>
-              <a:rPr lang="en-US" sz="1665" dirty="0">
-                <a:solidFill>
-                  <a:schemeClr val="accent2">
-                    <a:lumMod val="75000"/>
-                  </a:schemeClr>
-                </a:solidFill>
-                <a:latin typeface="Helvetica" pitchFamily="2" charset="0"/>
-              </a:rPr>
-              <a:t>Water</a:t>
-            </a:r>
-          </a:p>
-        </p:txBody>
-      </p:sp>
-      <p:sp>
-        <p:nvSpPr>
-          <p:cNvPr id="55" name="TextBox 54">
-            <a:extLst>
-              <a:ext uri="{FF2B5EF4-FFF2-40B4-BE49-F238E27FC236}">
-                <a16:creationId xmlns:a16="http://schemas.microsoft.com/office/drawing/2014/main" id="{1D012005-1FA7-4EFA-B01A-863303A5B762}"/>
-              </a:ext>
-            </a:extLst>
-          </p:cNvPr>
-          <p:cNvSpPr txBox="1"/>
-          <p:nvPr/>
-        </p:nvSpPr>
-        <p:spPr>
-          <a:xfrm>
-            <a:off x="5295863" y="4795874"/>
-            <a:ext cx="960207" cy="348557"/>
-          </a:xfrm>
-          <a:prstGeom prst="rect">
-            <a:avLst/>
-          </a:prstGeom>
-          <a:noFill/>
-        </p:spPr>
-        <p:txBody>
-          <a:bodyPr wrap="square" rtlCol="0">
-            <a:spAutoFit/>
-          </a:bodyPr>
-          <a:lstStyle/>
-          <a:p>
-            <a:r>
-              <a:rPr lang="en-US" sz="1665" dirty="0">
-                <a:solidFill>
-                  <a:srgbClr val="307E58"/>
-                </a:solidFill>
-                <a:latin typeface="Helvetica" pitchFamily="2" charset="0"/>
-              </a:rPr>
-              <a:t>Carbon</a:t>
-            </a:r>
-          </a:p>
-        </p:txBody>
-      </p:sp>
-      <p:sp>
-        <p:nvSpPr>
-          <p:cNvPr id="56" name="TextBox 55">
-            <a:extLst>
-              <a:ext uri="{FF2B5EF4-FFF2-40B4-BE49-F238E27FC236}">
-                <a16:creationId xmlns:a16="http://schemas.microsoft.com/office/drawing/2014/main" id="{F026242C-C6F4-1F39-7318-2425F6E25D62}"/>
-              </a:ext>
-            </a:extLst>
-          </p:cNvPr>
-          <p:cNvSpPr txBox="1"/>
-          <p:nvPr/>
-        </p:nvSpPr>
-        <p:spPr>
-          <a:xfrm>
-            <a:off x="4255351" y="3193258"/>
-            <a:ext cx="835629" cy="348557"/>
-          </a:xfrm>
-          <a:prstGeom prst="rect">
-            <a:avLst/>
-          </a:prstGeom>
-          <a:noFill/>
-        </p:spPr>
-        <p:txBody>
-          <a:bodyPr wrap="square" rtlCol="0">
-            <a:spAutoFit/>
-          </a:bodyPr>
-          <a:lstStyle/>
-          <a:p>
-            <a:r>
-              <a:rPr lang="en-US" sz="1665" dirty="0">
-                <a:solidFill>
-                  <a:schemeClr val="accent2">
-                    <a:lumMod val="75000"/>
-                  </a:schemeClr>
-                </a:solidFill>
-                <a:latin typeface="Helvetica" pitchFamily="2" charset="0"/>
-              </a:rPr>
-              <a:t>Water</a:t>
-            </a:r>
-          </a:p>
-        </p:txBody>
-      </p:sp>
-      <p:sp>
-        <p:nvSpPr>
-          <p:cNvPr id="57" name="TextBox 56">
-            <a:extLst>
-              <a:ext uri="{FF2B5EF4-FFF2-40B4-BE49-F238E27FC236}">
-                <a16:creationId xmlns:a16="http://schemas.microsoft.com/office/drawing/2014/main" id="{B2177140-D34A-26CA-0A98-59A648024D70}"/>
-              </a:ext>
-            </a:extLst>
-          </p:cNvPr>
-          <p:cNvSpPr txBox="1"/>
-          <p:nvPr/>
-        </p:nvSpPr>
-        <p:spPr>
-          <a:xfrm>
-            <a:off x="5269267" y="3170208"/>
-            <a:ext cx="960207" cy="348557"/>
-          </a:xfrm>
-          <a:prstGeom prst="rect">
-            <a:avLst/>
-          </a:prstGeom>
-          <a:noFill/>
-        </p:spPr>
-        <p:txBody>
-          <a:bodyPr wrap="square" rtlCol="0">
-            <a:spAutoFit/>
-          </a:bodyPr>
-          <a:lstStyle/>
-          <a:p>
-            <a:r>
-              <a:rPr lang="en-US" sz="1665" dirty="0">
-                <a:solidFill>
-                  <a:srgbClr val="307E58"/>
-                </a:solidFill>
-                <a:latin typeface="Helvetica" pitchFamily="2" charset="0"/>
-              </a:rPr>
-              <a:t>Carbon</a:t>
-            </a:r>
-          </a:p>
-        </p:txBody>
-      </p:sp>
-      <p:sp>
-        <p:nvSpPr>
-          <p:cNvPr id="58" name="TextBox 57">
-            <a:extLst>
-              <a:ext uri="{FF2B5EF4-FFF2-40B4-BE49-F238E27FC236}">
-                <a16:creationId xmlns:a16="http://schemas.microsoft.com/office/drawing/2014/main" id="{DE811178-CDB4-E20B-2FD0-BBA78FB161F6}"/>
-              </a:ext>
-            </a:extLst>
-          </p:cNvPr>
-          <p:cNvSpPr txBox="1"/>
-          <p:nvPr/>
-        </p:nvSpPr>
-        <p:spPr>
-          <a:xfrm>
-            <a:off x="2347977" y="4834088"/>
-            <a:ext cx="835629" cy="348557"/>
-          </a:xfrm>
-          <a:prstGeom prst="rect">
-            <a:avLst/>
-          </a:prstGeom>
-          <a:noFill/>
-        </p:spPr>
-        <p:txBody>
-          <a:bodyPr wrap="square" rtlCol="0">
-            <a:spAutoFit/>
-          </a:bodyPr>
-          <a:lstStyle/>
-          <a:p>
-            <a:r>
-              <a:rPr lang="en-US" sz="1665" dirty="0">
-                <a:solidFill>
-                  <a:schemeClr val="accent2">
-                    <a:lumMod val="75000"/>
-                  </a:schemeClr>
-                </a:solidFill>
-                <a:latin typeface="Helvetica" pitchFamily="2" charset="0"/>
-              </a:rPr>
-              <a:t>Water</a:t>
-            </a:r>
-          </a:p>
-        </p:txBody>
-      </p:sp>
-      <p:sp>
-        <p:nvSpPr>
-          <p:cNvPr id="59" name="TextBox 58">
-            <a:extLst>
-              <a:ext uri="{FF2B5EF4-FFF2-40B4-BE49-F238E27FC236}">
-                <a16:creationId xmlns:a16="http://schemas.microsoft.com/office/drawing/2014/main" id="{D596C0C5-DDE7-BE11-0B00-88F5743C7786}"/>
-              </a:ext>
-            </a:extLst>
-          </p:cNvPr>
-          <p:cNvSpPr txBox="1"/>
-          <p:nvPr/>
-        </p:nvSpPr>
-        <p:spPr>
-          <a:xfrm>
-            <a:off x="3361893" y="4811038"/>
-            <a:ext cx="960207" cy="348557"/>
-          </a:xfrm>
-          <a:prstGeom prst="rect">
-            <a:avLst/>
-          </a:prstGeom>
-          <a:noFill/>
-        </p:spPr>
-        <p:txBody>
-          <a:bodyPr wrap="square" rtlCol="0">
-            <a:spAutoFit/>
-          </a:bodyPr>
-          <a:lstStyle/>
-          <a:p>
-            <a:r>
-              <a:rPr lang="en-US" sz="1665" dirty="0">
-                <a:solidFill>
-                  <a:srgbClr val="307E58"/>
-                </a:solidFill>
-                <a:latin typeface="Helvetica" pitchFamily="2" charset="0"/>
-              </a:rPr>
-              <a:t>Carbon</a:t>
-            </a:r>
-          </a:p>
-        </p:txBody>
-      </p:sp>
-      <p:sp>
-        <p:nvSpPr>
-          <p:cNvPr id="60" name="TextBox 59">
-            <a:extLst>
-              <a:ext uri="{FF2B5EF4-FFF2-40B4-BE49-F238E27FC236}">
-                <a16:creationId xmlns:a16="http://schemas.microsoft.com/office/drawing/2014/main" id="{876C2AE2-CC25-4C7D-8A48-01F451792CAA}"/>
-              </a:ext>
-            </a:extLst>
-          </p:cNvPr>
-          <p:cNvSpPr txBox="1"/>
-          <p:nvPr/>
-        </p:nvSpPr>
-        <p:spPr>
-          <a:xfrm>
-            <a:off x="2362526" y="3220361"/>
-            <a:ext cx="835629" cy="348557"/>
-          </a:xfrm>
-          <a:prstGeom prst="rect">
-            <a:avLst/>
-          </a:prstGeom>
-          <a:noFill/>
-        </p:spPr>
-        <p:txBody>
-          <a:bodyPr wrap="square" rtlCol="0">
-            <a:spAutoFit/>
-          </a:bodyPr>
-          <a:lstStyle/>
-          <a:p>
-            <a:r>
-              <a:rPr lang="en-US" sz="1665" dirty="0">
-                <a:solidFill>
-                  <a:schemeClr val="accent2">
-                    <a:lumMod val="75000"/>
-                  </a:schemeClr>
-                </a:solidFill>
-                <a:latin typeface="Helvetica" pitchFamily="2" charset="0"/>
-              </a:rPr>
-              <a:t>Water</a:t>
-            </a:r>
-          </a:p>
-        </p:txBody>
-      </p:sp>
-      <p:sp>
-        <p:nvSpPr>
-          <p:cNvPr id="61" name="TextBox 60">
-            <a:extLst>
-              <a:ext uri="{FF2B5EF4-FFF2-40B4-BE49-F238E27FC236}">
-                <a16:creationId xmlns:a16="http://schemas.microsoft.com/office/drawing/2014/main" id="{98370586-A48D-FCB5-35C4-7DA5F6330944}"/>
-              </a:ext>
-            </a:extLst>
-          </p:cNvPr>
-          <p:cNvSpPr txBox="1"/>
-          <p:nvPr/>
-        </p:nvSpPr>
-        <p:spPr>
-          <a:xfrm>
-            <a:off x="3376442" y="3197311"/>
-            <a:ext cx="960207" cy="348557"/>
-          </a:xfrm>
-          <a:prstGeom prst="rect">
-            <a:avLst/>
-          </a:prstGeom>
-          <a:noFill/>
-        </p:spPr>
-        <p:txBody>
-          <a:bodyPr wrap="square" rtlCol="0">
-            <a:spAutoFit/>
-          </a:bodyPr>
-          <a:lstStyle/>
-          <a:p>
-            <a:r>
-              <a:rPr lang="en-US" sz="1665" dirty="0">
-                <a:solidFill>
-                  <a:srgbClr val="307E58"/>
-                </a:solidFill>
-                <a:latin typeface="Helvetica" pitchFamily="2" charset="0"/>
-              </a:rPr>
-              <a:t>Carbon</a:t>
-            </a:r>
-          </a:p>
-        </p:txBody>
-      </p:sp>
-      <p:sp>
-        <p:nvSpPr>
-          <p:cNvPr id="62" name="Freeform 61">
-            <a:extLst>
-              <a:ext uri="{FF2B5EF4-FFF2-40B4-BE49-F238E27FC236}">
-                <a16:creationId xmlns:a16="http://schemas.microsoft.com/office/drawing/2014/main" id="{16186FA5-53E6-D691-D443-295DFEE5D37C}"/>
-              </a:ext>
-            </a:extLst>
-          </p:cNvPr>
-          <p:cNvSpPr/>
-          <p:nvPr/>
-        </p:nvSpPr>
-        <p:spPr>
-          <a:xfrm>
-            <a:off x="4374795" y="3591021"/>
-            <a:ext cx="847627" cy="161610"/>
-          </a:xfrm>
-          <a:custGeom>
-            <a:avLst/>
-            <a:gdLst>
-              <a:gd name="connsiteX0" fmla="*/ 0 w 963561"/>
-              <a:gd name="connsiteY0" fmla="*/ 206490 h 228719"/>
-              <a:gd name="connsiteX1" fmla="*/ 285135 w 963561"/>
-              <a:gd name="connsiteY1" fmla="*/ 12 h 228719"/>
-              <a:gd name="connsiteX2" fmla="*/ 737419 w 963561"/>
-              <a:gd name="connsiteY2" fmla="*/ 196657 h 228719"/>
-              <a:gd name="connsiteX3" fmla="*/ 963561 w 963561"/>
-              <a:gd name="connsiteY3" fmla="*/ 226154 h 228719"/>
-              <a:gd name="connsiteX0" fmla="*/ 0 w 963561"/>
-              <a:gd name="connsiteY0" fmla="*/ 219055 h 241284"/>
-              <a:gd name="connsiteX1" fmla="*/ 335061 w 963561"/>
-              <a:gd name="connsiteY1" fmla="*/ 11 h 241284"/>
-              <a:gd name="connsiteX2" fmla="*/ 737419 w 963561"/>
-              <a:gd name="connsiteY2" fmla="*/ 209222 h 241284"/>
-              <a:gd name="connsiteX3" fmla="*/ 963561 w 963561"/>
-              <a:gd name="connsiteY3" fmla="*/ 238719 h 241284"/>
-              <a:gd name="connsiteX0" fmla="*/ 0 w 963561"/>
-              <a:gd name="connsiteY0" fmla="*/ 231620 h 253849"/>
-              <a:gd name="connsiteX1" fmla="*/ 559729 w 963561"/>
-              <a:gd name="connsiteY1" fmla="*/ 11 h 253849"/>
-              <a:gd name="connsiteX2" fmla="*/ 737419 w 963561"/>
-              <a:gd name="connsiteY2" fmla="*/ 221787 h 253849"/>
-              <a:gd name="connsiteX3" fmla="*/ 963561 w 963561"/>
-              <a:gd name="connsiteY3" fmla="*/ 251284 h 253849"/>
-              <a:gd name="connsiteX0" fmla="*/ 0 w 963561"/>
-              <a:gd name="connsiteY0" fmla="*/ 232107 h 252025"/>
-              <a:gd name="connsiteX1" fmla="*/ 559729 w 963561"/>
-              <a:gd name="connsiteY1" fmla="*/ 498 h 252025"/>
-              <a:gd name="connsiteX2" fmla="*/ 849752 w 963561"/>
-              <a:gd name="connsiteY2" fmla="*/ 172010 h 252025"/>
-              <a:gd name="connsiteX3" fmla="*/ 963561 w 963561"/>
-              <a:gd name="connsiteY3" fmla="*/ 251771 h 252025"/>
-              <a:gd name="connsiteX0" fmla="*/ 0 w 1138303"/>
-              <a:gd name="connsiteY0" fmla="*/ 232107 h 252025"/>
-              <a:gd name="connsiteX1" fmla="*/ 559729 w 1138303"/>
-              <a:gd name="connsiteY1" fmla="*/ 498 h 252025"/>
-              <a:gd name="connsiteX2" fmla="*/ 849752 w 1138303"/>
-              <a:gd name="connsiteY2" fmla="*/ 172010 h 252025"/>
-              <a:gd name="connsiteX3" fmla="*/ 1138303 w 1138303"/>
-              <a:gd name="connsiteY3" fmla="*/ 251771 h 252025"/>
-              <a:gd name="connsiteX0" fmla="*/ 0 w 1138303"/>
-              <a:gd name="connsiteY0" fmla="*/ 233213 h 253021"/>
-              <a:gd name="connsiteX1" fmla="*/ 559729 w 1138303"/>
-              <a:gd name="connsiteY1" fmla="*/ 1604 h 253021"/>
-              <a:gd name="connsiteX2" fmla="*/ 912159 w 1138303"/>
-              <a:gd name="connsiteY2" fmla="*/ 135418 h 253021"/>
-              <a:gd name="connsiteX3" fmla="*/ 1138303 w 1138303"/>
-              <a:gd name="connsiteY3" fmla="*/ 252877 h 253021"/>
-              <a:gd name="connsiteX0" fmla="*/ 0 w 1163265"/>
-              <a:gd name="connsiteY0" fmla="*/ 233213 h 233214"/>
-              <a:gd name="connsiteX1" fmla="*/ 559729 w 1163265"/>
-              <a:gd name="connsiteY1" fmla="*/ 1604 h 233214"/>
-              <a:gd name="connsiteX2" fmla="*/ 912159 w 1163265"/>
-              <a:gd name="connsiteY2" fmla="*/ 135418 h 233214"/>
-              <a:gd name="connsiteX3" fmla="*/ 1163265 w 1163265"/>
-              <a:gd name="connsiteY3" fmla="*/ 227743 h 233214"/>
-              <a:gd name="connsiteX0" fmla="*/ 0 w 1163265"/>
-              <a:gd name="connsiteY0" fmla="*/ 283017 h 283016"/>
-              <a:gd name="connsiteX1" fmla="*/ 434915 w 1163265"/>
-              <a:gd name="connsiteY1" fmla="*/ 1143 h 283016"/>
-              <a:gd name="connsiteX2" fmla="*/ 912159 w 1163265"/>
-              <a:gd name="connsiteY2" fmla="*/ 185222 h 283016"/>
-              <a:gd name="connsiteX3" fmla="*/ 1163265 w 1163265"/>
-              <a:gd name="connsiteY3" fmla="*/ 277547 h 283016"/>
-              <a:gd name="connsiteX0" fmla="*/ 0 w 1163265"/>
-              <a:gd name="connsiteY0" fmla="*/ 308004 h 308005"/>
-              <a:gd name="connsiteX1" fmla="*/ 534767 w 1163265"/>
-              <a:gd name="connsiteY1" fmla="*/ 998 h 308005"/>
-              <a:gd name="connsiteX2" fmla="*/ 912159 w 1163265"/>
-              <a:gd name="connsiteY2" fmla="*/ 210209 h 308005"/>
-              <a:gd name="connsiteX3" fmla="*/ 1163265 w 1163265"/>
-              <a:gd name="connsiteY3" fmla="*/ 302534 h 308005"/>
-            </a:gdLst>
-            <a:ahLst/>
-            <a:cxnLst>
-              <a:cxn ang="0">
-                <a:pos x="connsiteX0" y="connsiteY0"/>
-              </a:cxn>
-              <a:cxn ang="0">
-                <a:pos x="connsiteX1" y="connsiteY1"/>
-              </a:cxn>
-              <a:cxn ang="0">
-                <a:pos x="connsiteX2" y="connsiteY2"/>
-              </a:cxn>
-              <a:cxn ang="0">
-                <a:pos x="connsiteX3" y="connsiteY3"/>
-              </a:cxn>
-            </a:cxnLst>
-            <a:rect l="l" t="t" r="r" b="b"/>
-            <a:pathLst>
-              <a:path w="1163265" h="308005">
-                <a:moveTo>
-                  <a:pt x="0" y="308004"/>
-                </a:moveTo>
-                <a:cubicBezTo>
-                  <a:pt x="81116" y="205584"/>
-                  <a:pt x="382741" y="17297"/>
-                  <a:pt x="534767" y="998"/>
-                </a:cubicBezTo>
-                <a:cubicBezTo>
-                  <a:pt x="686794" y="-15301"/>
-                  <a:pt x="799088" y="172519"/>
-                  <a:pt x="912159" y="210209"/>
-                </a:cubicBezTo>
-                <a:cubicBezTo>
-                  <a:pt x="1025230" y="247899"/>
-                  <a:pt x="1106729" y="306630"/>
-                  <a:pt x="1163265" y="302534"/>
-                </a:cubicBezTo>
-              </a:path>
-            </a:pathLst>
-          </a:custGeom>
-          <a:ln w="28575"/>
-        </p:spPr>
-        <p:style>
-          <a:lnRef idx="1">
-            <a:schemeClr val="accent2"/>
-          </a:lnRef>
-          <a:fillRef idx="0">
-            <a:schemeClr val="accent2"/>
-          </a:fillRef>
-          <a:effectRef idx="0">
-            <a:schemeClr val="accent2"/>
-          </a:effectRef>
-          <a:fontRef idx="minor">
-            <a:schemeClr val="tx1"/>
-          </a:fontRef>
-        </p:style>
-        <p:txBody>
-          <a:bodyPr rtlCol="0" anchor="ctr"/>
-          <a:lstStyle/>
-          <a:p>
-            <a:pPr algn="ctr"/>
-            <a:endParaRPr lang="en-US" sz="1665"/>
-          </a:p>
-        </p:txBody>
-      </p:sp>
-      <p:sp>
-        <p:nvSpPr>
-          <p:cNvPr id="63" name="Freeform 62">
-            <a:extLst>
-              <a:ext uri="{FF2B5EF4-FFF2-40B4-BE49-F238E27FC236}">
-                <a16:creationId xmlns:a16="http://schemas.microsoft.com/office/drawing/2014/main" id="{41D5AD1F-428E-83AC-280B-9016B14493DE}"/>
-              </a:ext>
-            </a:extLst>
-          </p:cNvPr>
-          <p:cNvSpPr/>
-          <p:nvPr/>
-        </p:nvSpPr>
-        <p:spPr>
-          <a:xfrm>
-            <a:off x="5348638" y="3483289"/>
-            <a:ext cx="829437" cy="295315"/>
-          </a:xfrm>
-          <a:custGeom>
-            <a:avLst/>
-            <a:gdLst>
-              <a:gd name="connsiteX0" fmla="*/ 0 w 963561"/>
-              <a:gd name="connsiteY0" fmla="*/ 206490 h 228719"/>
-              <a:gd name="connsiteX1" fmla="*/ 285135 w 963561"/>
-              <a:gd name="connsiteY1" fmla="*/ 12 h 228719"/>
-              <a:gd name="connsiteX2" fmla="*/ 737419 w 963561"/>
-              <a:gd name="connsiteY2" fmla="*/ 196657 h 228719"/>
-              <a:gd name="connsiteX3" fmla="*/ 963561 w 963561"/>
-              <a:gd name="connsiteY3" fmla="*/ 226154 h 228719"/>
-              <a:gd name="connsiteX0" fmla="*/ 0 w 963561"/>
-              <a:gd name="connsiteY0" fmla="*/ 357279 h 379508"/>
-              <a:gd name="connsiteX1" fmla="*/ 122874 w 963561"/>
-              <a:gd name="connsiteY1" fmla="*/ 6 h 379508"/>
-              <a:gd name="connsiteX2" fmla="*/ 737419 w 963561"/>
-              <a:gd name="connsiteY2" fmla="*/ 347446 h 379508"/>
-              <a:gd name="connsiteX3" fmla="*/ 963561 w 963561"/>
-              <a:gd name="connsiteY3" fmla="*/ 376943 h 379508"/>
-              <a:gd name="connsiteX0" fmla="*/ 0 w 963561"/>
-              <a:gd name="connsiteY0" fmla="*/ 369846 h 392075"/>
-              <a:gd name="connsiteX1" fmla="*/ 210245 w 963561"/>
-              <a:gd name="connsiteY1" fmla="*/ 6 h 392075"/>
-              <a:gd name="connsiteX2" fmla="*/ 737419 w 963561"/>
-              <a:gd name="connsiteY2" fmla="*/ 360013 h 392075"/>
-              <a:gd name="connsiteX3" fmla="*/ 963561 w 963561"/>
-              <a:gd name="connsiteY3" fmla="*/ 389510 h 392075"/>
-              <a:gd name="connsiteX0" fmla="*/ 0 w 1013487"/>
-              <a:gd name="connsiteY0" fmla="*/ 369846 h 427548"/>
-              <a:gd name="connsiteX1" fmla="*/ 210245 w 1013487"/>
-              <a:gd name="connsiteY1" fmla="*/ 6 h 427548"/>
-              <a:gd name="connsiteX2" fmla="*/ 737419 w 1013487"/>
-              <a:gd name="connsiteY2" fmla="*/ 360013 h 427548"/>
-              <a:gd name="connsiteX3" fmla="*/ 1013487 w 1013487"/>
-              <a:gd name="connsiteY3" fmla="*/ 427208 h 427548"/>
-              <a:gd name="connsiteX0" fmla="*/ 0 w 1013487"/>
-              <a:gd name="connsiteY0" fmla="*/ 357281 h 414982"/>
-              <a:gd name="connsiteX1" fmla="*/ 197763 w 1013487"/>
-              <a:gd name="connsiteY1" fmla="*/ 7 h 414982"/>
-              <a:gd name="connsiteX2" fmla="*/ 737419 w 1013487"/>
-              <a:gd name="connsiteY2" fmla="*/ 347448 h 414982"/>
-              <a:gd name="connsiteX3" fmla="*/ 1013487 w 1013487"/>
-              <a:gd name="connsiteY3" fmla="*/ 414643 h 414982"/>
-              <a:gd name="connsiteX0" fmla="*/ 0 w 1063413"/>
-              <a:gd name="connsiteY0" fmla="*/ 357281 h 371583"/>
-              <a:gd name="connsiteX1" fmla="*/ 197763 w 1063413"/>
-              <a:gd name="connsiteY1" fmla="*/ 7 h 371583"/>
-              <a:gd name="connsiteX2" fmla="*/ 737419 w 1063413"/>
-              <a:gd name="connsiteY2" fmla="*/ 347448 h 371583"/>
-              <a:gd name="connsiteX3" fmla="*/ 1063413 w 1063413"/>
-              <a:gd name="connsiteY3" fmla="*/ 364379 h 371583"/>
-              <a:gd name="connsiteX0" fmla="*/ 0 w 1063413"/>
-              <a:gd name="connsiteY0" fmla="*/ 357685 h 365037"/>
-              <a:gd name="connsiteX1" fmla="*/ 197763 w 1063413"/>
-              <a:gd name="connsiteY1" fmla="*/ 411 h 365037"/>
-              <a:gd name="connsiteX2" fmla="*/ 774863 w 1063413"/>
-              <a:gd name="connsiteY2" fmla="*/ 285020 h 365037"/>
-              <a:gd name="connsiteX3" fmla="*/ 1063413 w 1063413"/>
-              <a:gd name="connsiteY3" fmla="*/ 364783 h 365037"/>
-              <a:gd name="connsiteX0" fmla="*/ 0 w 1063413"/>
-              <a:gd name="connsiteY0" fmla="*/ 357685 h 365037"/>
-              <a:gd name="connsiteX1" fmla="*/ 272651 w 1063413"/>
-              <a:gd name="connsiteY1" fmla="*/ 412 h 365037"/>
-              <a:gd name="connsiteX2" fmla="*/ 774863 w 1063413"/>
-              <a:gd name="connsiteY2" fmla="*/ 285020 h 365037"/>
-              <a:gd name="connsiteX3" fmla="*/ 1063413 w 1063413"/>
-              <a:gd name="connsiteY3" fmla="*/ 364783 h 365037"/>
-              <a:gd name="connsiteX0" fmla="*/ 0 w 1063413"/>
-              <a:gd name="connsiteY0" fmla="*/ 420438 h 427790"/>
-              <a:gd name="connsiteX1" fmla="*/ 247687 w 1063413"/>
-              <a:gd name="connsiteY1" fmla="*/ 333 h 427790"/>
-              <a:gd name="connsiteX2" fmla="*/ 774863 w 1063413"/>
-              <a:gd name="connsiteY2" fmla="*/ 347773 h 427790"/>
-              <a:gd name="connsiteX3" fmla="*/ 1063413 w 1063413"/>
-              <a:gd name="connsiteY3" fmla="*/ 427536 h 427790"/>
-              <a:gd name="connsiteX0" fmla="*/ 0 w 1063413"/>
-              <a:gd name="connsiteY0" fmla="*/ 420438 h 427790"/>
-              <a:gd name="connsiteX1" fmla="*/ 347540 w 1063413"/>
-              <a:gd name="connsiteY1" fmla="*/ 334 h 427790"/>
-              <a:gd name="connsiteX2" fmla="*/ 774863 w 1063413"/>
-              <a:gd name="connsiteY2" fmla="*/ 347773 h 427790"/>
-              <a:gd name="connsiteX3" fmla="*/ 1063413 w 1063413"/>
-              <a:gd name="connsiteY3" fmla="*/ 427536 h 427790"/>
-              <a:gd name="connsiteX0" fmla="*/ 0 w 1063413"/>
-              <a:gd name="connsiteY0" fmla="*/ 407886 h 415238"/>
-              <a:gd name="connsiteX1" fmla="*/ 434911 w 1063413"/>
-              <a:gd name="connsiteY1" fmla="*/ 347 h 415238"/>
-              <a:gd name="connsiteX2" fmla="*/ 774863 w 1063413"/>
-              <a:gd name="connsiteY2" fmla="*/ 335221 h 415238"/>
-              <a:gd name="connsiteX3" fmla="*/ 1063413 w 1063413"/>
-              <a:gd name="connsiteY3" fmla="*/ 414984 h 415238"/>
-              <a:gd name="connsiteX0" fmla="*/ 0 w 1063413"/>
-              <a:gd name="connsiteY0" fmla="*/ 408029 h 415330"/>
-              <a:gd name="connsiteX1" fmla="*/ 434911 w 1063413"/>
-              <a:gd name="connsiteY1" fmla="*/ 490 h 415330"/>
-              <a:gd name="connsiteX2" fmla="*/ 862233 w 1063413"/>
-              <a:gd name="connsiteY2" fmla="*/ 322797 h 415330"/>
-              <a:gd name="connsiteX3" fmla="*/ 1063413 w 1063413"/>
-              <a:gd name="connsiteY3" fmla="*/ 415127 h 415330"/>
-              <a:gd name="connsiteX0" fmla="*/ 0 w 1138302"/>
-              <a:gd name="connsiteY0" fmla="*/ 408029 h 408028"/>
-              <a:gd name="connsiteX1" fmla="*/ 434911 w 1138302"/>
-              <a:gd name="connsiteY1" fmla="*/ 490 h 408028"/>
-              <a:gd name="connsiteX2" fmla="*/ 862233 w 1138302"/>
-              <a:gd name="connsiteY2" fmla="*/ 322797 h 408028"/>
-              <a:gd name="connsiteX3" fmla="*/ 1138302 w 1138302"/>
-              <a:gd name="connsiteY3" fmla="*/ 389994 h 408028"/>
-              <a:gd name="connsiteX0" fmla="*/ 0 w 1138302"/>
-              <a:gd name="connsiteY0" fmla="*/ 422089 h 422089"/>
-              <a:gd name="connsiteX1" fmla="*/ 434911 w 1138302"/>
-              <a:gd name="connsiteY1" fmla="*/ 469 h 422089"/>
-              <a:gd name="connsiteX2" fmla="*/ 862233 w 1138302"/>
-              <a:gd name="connsiteY2" fmla="*/ 336857 h 422089"/>
-              <a:gd name="connsiteX3" fmla="*/ 1138302 w 1138302"/>
-              <a:gd name="connsiteY3" fmla="*/ 404054 h 422089"/>
-              <a:gd name="connsiteX0" fmla="*/ 0 w 1138302"/>
-              <a:gd name="connsiteY0" fmla="*/ 422089 h 422089"/>
-              <a:gd name="connsiteX1" fmla="*/ 350999 w 1138302"/>
-              <a:gd name="connsiteY1" fmla="*/ 469 h 422089"/>
-              <a:gd name="connsiteX2" fmla="*/ 862233 w 1138302"/>
-              <a:gd name="connsiteY2" fmla="*/ 336857 h 422089"/>
-              <a:gd name="connsiteX3" fmla="*/ 1138302 w 1138302"/>
-              <a:gd name="connsiteY3" fmla="*/ 404054 h 422089"/>
-              <a:gd name="connsiteX0" fmla="*/ 0 w 1138302"/>
-              <a:gd name="connsiteY0" fmla="*/ 408032 h 408032"/>
-              <a:gd name="connsiteX1" fmla="*/ 378970 w 1138302"/>
-              <a:gd name="connsiteY1" fmla="*/ 491 h 408032"/>
-              <a:gd name="connsiteX2" fmla="*/ 862233 w 1138302"/>
-              <a:gd name="connsiteY2" fmla="*/ 322800 h 408032"/>
-              <a:gd name="connsiteX3" fmla="*/ 1138302 w 1138302"/>
-              <a:gd name="connsiteY3" fmla="*/ 389997 h 408032"/>
-            </a:gdLst>
-            <a:ahLst/>
-            <a:cxnLst>
-              <a:cxn ang="0">
-                <a:pos x="connsiteX0" y="connsiteY0"/>
-              </a:cxn>
-              <a:cxn ang="0">
-                <a:pos x="connsiteX1" y="connsiteY1"/>
-              </a:cxn>
-              <a:cxn ang="0">
-                <a:pos x="connsiteX2" y="connsiteY2"/>
-              </a:cxn>
-              <a:cxn ang="0">
-                <a:pos x="connsiteX3" y="connsiteY3"/>
-              </a:cxn>
-            </a:cxnLst>
-            <a:rect l="l" t="t" r="r" b="b"/>
-            <a:pathLst>
-              <a:path w="1138302" h="408032">
-                <a:moveTo>
-                  <a:pt x="0" y="408032"/>
-                </a:moveTo>
-                <a:cubicBezTo>
-                  <a:pt x="81116" y="305612"/>
-                  <a:pt x="235265" y="14696"/>
-                  <a:pt x="378970" y="491"/>
-                </a:cubicBezTo>
-                <a:cubicBezTo>
-                  <a:pt x="522676" y="-13714"/>
-                  <a:pt x="749162" y="285110"/>
-                  <a:pt x="862233" y="322800"/>
-                </a:cubicBezTo>
-                <a:cubicBezTo>
-                  <a:pt x="975304" y="360490"/>
-                  <a:pt x="1081766" y="394093"/>
-                  <a:pt x="1138302" y="389997"/>
-                </a:cubicBezTo>
-              </a:path>
-            </a:pathLst>
-          </a:custGeom>
-          <a:ln w="28575">
-            <a:solidFill>
-              <a:srgbClr val="307E58"/>
-            </a:solidFill>
-          </a:ln>
-        </p:spPr>
-        <p:style>
-          <a:lnRef idx="1">
-            <a:schemeClr val="accent1"/>
-          </a:lnRef>
-          <a:fillRef idx="0">
-            <a:schemeClr val="accent1"/>
-          </a:fillRef>
-          <a:effectRef idx="0">
-            <a:schemeClr val="accent1"/>
-          </a:effectRef>
-          <a:fontRef idx="minor">
-            <a:schemeClr val="tx1"/>
-          </a:fontRef>
-        </p:style>
-        <p:txBody>
-          <a:bodyPr rtlCol="0" anchor="ctr"/>
-          <a:lstStyle/>
-          <a:p>
-            <a:pPr algn="ctr"/>
-            <a:endParaRPr lang="en-US" sz="1665" dirty="0"/>
-          </a:p>
-        </p:txBody>
-      </p:sp>
-      <p:sp>
-        <p:nvSpPr>
-          <p:cNvPr id="64" name="Freeform 63">
-            <a:extLst>
-              <a:ext uri="{FF2B5EF4-FFF2-40B4-BE49-F238E27FC236}">
-                <a16:creationId xmlns:a16="http://schemas.microsoft.com/office/drawing/2014/main" id="{911A27F5-81B4-DC63-6427-8381777D62D9}"/>
-              </a:ext>
-            </a:extLst>
-          </p:cNvPr>
-          <p:cNvSpPr/>
-          <p:nvPr/>
-        </p:nvSpPr>
-        <p:spPr>
-          <a:xfrm>
-            <a:off x="4383853" y="5096138"/>
-            <a:ext cx="702110" cy="383807"/>
-          </a:xfrm>
-          <a:custGeom>
-            <a:avLst/>
-            <a:gdLst>
-              <a:gd name="connsiteX0" fmla="*/ 0 w 963561"/>
-              <a:gd name="connsiteY0" fmla="*/ 206490 h 228719"/>
-              <a:gd name="connsiteX1" fmla="*/ 285135 w 963561"/>
-              <a:gd name="connsiteY1" fmla="*/ 12 h 228719"/>
-              <a:gd name="connsiteX2" fmla="*/ 737419 w 963561"/>
-              <a:gd name="connsiteY2" fmla="*/ 196657 h 228719"/>
-              <a:gd name="connsiteX3" fmla="*/ 963561 w 963561"/>
-              <a:gd name="connsiteY3" fmla="*/ 226154 h 228719"/>
-              <a:gd name="connsiteX0" fmla="*/ 0 w 963561"/>
-              <a:gd name="connsiteY0" fmla="*/ 369845 h 392074"/>
-              <a:gd name="connsiteX1" fmla="*/ 185283 w 963561"/>
-              <a:gd name="connsiteY1" fmla="*/ 6 h 392074"/>
-              <a:gd name="connsiteX2" fmla="*/ 737419 w 963561"/>
-              <a:gd name="connsiteY2" fmla="*/ 360012 h 392074"/>
-              <a:gd name="connsiteX3" fmla="*/ 963561 w 963561"/>
-              <a:gd name="connsiteY3" fmla="*/ 389509 h 392074"/>
-              <a:gd name="connsiteX0" fmla="*/ 0 w 963561"/>
-              <a:gd name="connsiteY0" fmla="*/ 508071 h 530300"/>
-              <a:gd name="connsiteX1" fmla="*/ 185283 w 963561"/>
-              <a:gd name="connsiteY1" fmla="*/ 4 h 530300"/>
-              <a:gd name="connsiteX2" fmla="*/ 737419 w 963561"/>
-              <a:gd name="connsiteY2" fmla="*/ 498238 h 530300"/>
-              <a:gd name="connsiteX3" fmla="*/ 963561 w 963561"/>
-              <a:gd name="connsiteY3" fmla="*/ 527735 h 530300"/>
-              <a:gd name="connsiteX0" fmla="*/ 0 w 963561"/>
-              <a:gd name="connsiteY0" fmla="*/ 508071 h 530300"/>
-              <a:gd name="connsiteX1" fmla="*/ 135356 w 963561"/>
-              <a:gd name="connsiteY1" fmla="*/ 4 h 530300"/>
-              <a:gd name="connsiteX2" fmla="*/ 737419 w 963561"/>
-              <a:gd name="connsiteY2" fmla="*/ 498238 h 530300"/>
-              <a:gd name="connsiteX3" fmla="*/ 963561 w 963561"/>
-              <a:gd name="connsiteY3" fmla="*/ 527735 h 530300"/>
-            </a:gdLst>
-            <a:ahLst/>
-            <a:cxnLst>
-              <a:cxn ang="0">
-                <a:pos x="connsiteX0" y="connsiteY0"/>
-              </a:cxn>
-              <a:cxn ang="0">
-                <a:pos x="connsiteX1" y="connsiteY1"/>
-              </a:cxn>
-              <a:cxn ang="0">
-                <a:pos x="connsiteX2" y="connsiteY2"/>
-              </a:cxn>
-              <a:cxn ang="0">
-                <a:pos x="connsiteX3" y="connsiteY3"/>
-              </a:cxn>
-            </a:cxnLst>
-            <a:rect l="l" t="t" r="r" b="b"/>
-            <a:pathLst>
-              <a:path w="963561" h="530300">
-                <a:moveTo>
-                  <a:pt x="0" y="508071"/>
-                </a:moveTo>
-                <a:cubicBezTo>
-                  <a:pt x="81116" y="405651"/>
-                  <a:pt x="12453" y="1643"/>
-                  <a:pt x="135356" y="4"/>
-                </a:cubicBezTo>
-                <a:cubicBezTo>
-                  <a:pt x="258259" y="-1635"/>
-                  <a:pt x="624348" y="460548"/>
-                  <a:pt x="737419" y="498238"/>
-                </a:cubicBezTo>
-                <a:cubicBezTo>
-                  <a:pt x="850490" y="535928"/>
-                  <a:pt x="907025" y="531831"/>
-                  <a:pt x="963561" y="527735"/>
-                </a:cubicBezTo>
-              </a:path>
-            </a:pathLst>
-          </a:custGeom>
-          <a:ln w="28575"/>
-        </p:spPr>
-        <p:style>
-          <a:lnRef idx="1">
-            <a:schemeClr val="accent2"/>
-          </a:lnRef>
-          <a:fillRef idx="0">
-            <a:schemeClr val="accent2"/>
-          </a:fillRef>
-          <a:effectRef idx="0">
-            <a:schemeClr val="accent2"/>
-          </a:effectRef>
-          <a:fontRef idx="minor">
-            <a:schemeClr val="tx1"/>
-          </a:fontRef>
-        </p:style>
-        <p:txBody>
-          <a:bodyPr rtlCol="0" anchor="ctr"/>
-          <a:lstStyle/>
-          <a:p>
-            <a:pPr algn="ctr"/>
-            <a:endParaRPr lang="en-US" sz="1665"/>
-          </a:p>
-        </p:txBody>
-      </p:sp>
-      <p:sp>
-        <p:nvSpPr>
-          <p:cNvPr id="65" name="Freeform 64">
-            <a:extLst>
-              <a:ext uri="{FF2B5EF4-FFF2-40B4-BE49-F238E27FC236}">
-                <a16:creationId xmlns:a16="http://schemas.microsoft.com/office/drawing/2014/main" id="{54445726-32D5-7583-C5BA-8FEEB436B604}"/>
-              </a:ext>
-            </a:extLst>
-          </p:cNvPr>
-          <p:cNvSpPr/>
-          <p:nvPr/>
-        </p:nvSpPr>
-        <p:spPr>
-          <a:xfrm>
-            <a:off x="5319838" y="5254853"/>
-            <a:ext cx="774869" cy="185226"/>
-          </a:xfrm>
-          <a:custGeom>
-            <a:avLst/>
-            <a:gdLst>
-              <a:gd name="connsiteX0" fmla="*/ 0 w 963561"/>
-              <a:gd name="connsiteY0" fmla="*/ 206490 h 228719"/>
-              <a:gd name="connsiteX1" fmla="*/ 285135 w 963561"/>
-              <a:gd name="connsiteY1" fmla="*/ 12 h 228719"/>
-              <a:gd name="connsiteX2" fmla="*/ 737419 w 963561"/>
-              <a:gd name="connsiteY2" fmla="*/ 196657 h 228719"/>
-              <a:gd name="connsiteX3" fmla="*/ 963561 w 963561"/>
-              <a:gd name="connsiteY3" fmla="*/ 226154 h 228719"/>
-              <a:gd name="connsiteX0" fmla="*/ 0 w 963561"/>
-              <a:gd name="connsiteY0" fmla="*/ 357279 h 379508"/>
-              <a:gd name="connsiteX1" fmla="*/ 122874 w 963561"/>
-              <a:gd name="connsiteY1" fmla="*/ 6 h 379508"/>
-              <a:gd name="connsiteX2" fmla="*/ 737419 w 963561"/>
-              <a:gd name="connsiteY2" fmla="*/ 347446 h 379508"/>
-              <a:gd name="connsiteX3" fmla="*/ 963561 w 963561"/>
-              <a:gd name="connsiteY3" fmla="*/ 376943 h 379508"/>
-              <a:gd name="connsiteX0" fmla="*/ 0 w 963561"/>
-              <a:gd name="connsiteY0" fmla="*/ 369846 h 392075"/>
-              <a:gd name="connsiteX1" fmla="*/ 210245 w 963561"/>
-              <a:gd name="connsiteY1" fmla="*/ 6 h 392075"/>
-              <a:gd name="connsiteX2" fmla="*/ 737419 w 963561"/>
-              <a:gd name="connsiteY2" fmla="*/ 360013 h 392075"/>
-              <a:gd name="connsiteX3" fmla="*/ 963561 w 963561"/>
-              <a:gd name="connsiteY3" fmla="*/ 389510 h 392075"/>
-              <a:gd name="connsiteX0" fmla="*/ 0 w 1013487"/>
-              <a:gd name="connsiteY0" fmla="*/ 369846 h 427548"/>
-              <a:gd name="connsiteX1" fmla="*/ 210245 w 1013487"/>
-              <a:gd name="connsiteY1" fmla="*/ 6 h 427548"/>
-              <a:gd name="connsiteX2" fmla="*/ 737419 w 1013487"/>
-              <a:gd name="connsiteY2" fmla="*/ 360013 h 427548"/>
-              <a:gd name="connsiteX3" fmla="*/ 1013487 w 1013487"/>
-              <a:gd name="connsiteY3" fmla="*/ 427208 h 427548"/>
-              <a:gd name="connsiteX0" fmla="*/ 0 w 1013487"/>
-              <a:gd name="connsiteY0" fmla="*/ 357281 h 414982"/>
-              <a:gd name="connsiteX1" fmla="*/ 197763 w 1013487"/>
-              <a:gd name="connsiteY1" fmla="*/ 7 h 414982"/>
-              <a:gd name="connsiteX2" fmla="*/ 737419 w 1013487"/>
-              <a:gd name="connsiteY2" fmla="*/ 347448 h 414982"/>
-              <a:gd name="connsiteX3" fmla="*/ 1013487 w 1013487"/>
-              <a:gd name="connsiteY3" fmla="*/ 414643 h 414982"/>
-              <a:gd name="connsiteX0" fmla="*/ 0 w 1063413"/>
-              <a:gd name="connsiteY0" fmla="*/ 357281 h 371583"/>
-              <a:gd name="connsiteX1" fmla="*/ 197763 w 1063413"/>
-              <a:gd name="connsiteY1" fmla="*/ 7 h 371583"/>
-              <a:gd name="connsiteX2" fmla="*/ 737419 w 1063413"/>
-              <a:gd name="connsiteY2" fmla="*/ 347448 h 371583"/>
-              <a:gd name="connsiteX3" fmla="*/ 1063413 w 1063413"/>
-              <a:gd name="connsiteY3" fmla="*/ 364379 h 371583"/>
-              <a:gd name="connsiteX0" fmla="*/ 0 w 1063413"/>
-              <a:gd name="connsiteY0" fmla="*/ 357685 h 365037"/>
-              <a:gd name="connsiteX1" fmla="*/ 197763 w 1063413"/>
-              <a:gd name="connsiteY1" fmla="*/ 411 h 365037"/>
-              <a:gd name="connsiteX2" fmla="*/ 774863 w 1063413"/>
-              <a:gd name="connsiteY2" fmla="*/ 285020 h 365037"/>
-              <a:gd name="connsiteX3" fmla="*/ 1063413 w 1063413"/>
-              <a:gd name="connsiteY3" fmla="*/ 364783 h 365037"/>
-              <a:gd name="connsiteX0" fmla="*/ 0 w 1063413"/>
-              <a:gd name="connsiteY0" fmla="*/ 382784 h 390136"/>
-              <a:gd name="connsiteX1" fmla="*/ 260170 w 1063413"/>
-              <a:gd name="connsiteY1" fmla="*/ 377 h 390136"/>
-              <a:gd name="connsiteX2" fmla="*/ 774863 w 1063413"/>
-              <a:gd name="connsiteY2" fmla="*/ 310119 h 390136"/>
-              <a:gd name="connsiteX3" fmla="*/ 1063413 w 1063413"/>
-              <a:gd name="connsiteY3" fmla="*/ 389882 h 390136"/>
-              <a:gd name="connsiteX0" fmla="*/ 0 w 1063413"/>
-              <a:gd name="connsiteY0" fmla="*/ 420440 h 427792"/>
-              <a:gd name="connsiteX1" fmla="*/ 222726 w 1063413"/>
-              <a:gd name="connsiteY1" fmla="*/ 334 h 427792"/>
-              <a:gd name="connsiteX2" fmla="*/ 774863 w 1063413"/>
-              <a:gd name="connsiteY2" fmla="*/ 347775 h 427792"/>
-              <a:gd name="connsiteX3" fmla="*/ 1063413 w 1063413"/>
-              <a:gd name="connsiteY3" fmla="*/ 427538 h 427792"/>
-              <a:gd name="connsiteX0" fmla="*/ 0 w 1063413"/>
-              <a:gd name="connsiteY0" fmla="*/ 420440 h 427792"/>
-              <a:gd name="connsiteX1" fmla="*/ 347541 w 1063413"/>
-              <a:gd name="connsiteY1" fmla="*/ 334 h 427792"/>
-              <a:gd name="connsiteX2" fmla="*/ 774863 w 1063413"/>
-              <a:gd name="connsiteY2" fmla="*/ 347775 h 427792"/>
-              <a:gd name="connsiteX3" fmla="*/ 1063413 w 1063413"/>
-              <a:gd name="connsiteY3" fmla="*/ 427538 h 427792"/>
-              <a:gd name="connsiteX0" fmla="*/ 0 w 1063413"/>
-              <a:gd name="connsiteY0" fmla="*/ 357686 h 365038"/>
-              <a:gd name="connsiteX1" fmla="*/ 347541 w 1063413"/>
-              <a:gd name="connsiteY1" fmla="*/ 412 h 365038"/>
-              <a:gd name="connsiteX2" fmla="*/ 774863 w 1063413"/>
-              <a:gd name="connsiteY2" fmla="*/ 285021 h 365038"/>
-              <a:gd name="connsiteX3" fmla="*/ 1063413 w 1063413"/>
-              <a:gd name="connsiteY3" fmla="*/ 364784 h 365038"/>
-            </a:gdLst>
-            <a:ahLst/>
-            <a:cxnLst>
-              <a:cxn ang="0">
-                <a:pos x="connsiteX0" y="connsiteY0"/>
-              </a:cxn>
-              <a:cxn ang="0">
-                <a:pos x="connsiteX1" y="connsiteY1"/>
-              </a:cxn>
-              <a:cxn ang="0">
-                <a:pos x="connsiteX2" y="connsiteY2"/>
-              </a:cxn>
-              <a:cxn ang="0">
-                <a:pos x="connsiteX3" y="connsiteY3"/>
-              </a:cxn>
-            </a:cxnLst>
-            <a:rect l="l" t="t" r="r" b="b"/>
-            <a:pathLst>
-              <a:path w="1063413" h="365038">
-                <a:moveTo>
-                  <a:pt x="0" y="357686"/>
-                </a:moveTo>
-                <a:cubicBezTo>
-                  <a:pt x="81116" y="255266"/>
-                  <a:pt x="218397" y="12523"/>
-                  <a:pt x="347541" y="412"/>
-                </a:cubicBezTo>
-                <a:cubicBezTo>
-                  <a:pt x="476685" y="-11699"/>
-                  <a:pt x="661792" y="247331"/>
-                  <a:pt x="774863" y="285021"/>
-                </a:cubicBezTo>
-                <a:cubicBezTo>
-                  <a:pt x="887934" y="322711"/>
-                  <a:pt x="1006877" y="368880"/>
-                  <a:pt x="1063413" y="364784"/>
-                </a:cubicBezTo>
-              </a:path>
-            </a:pathLst>
-          </a:custGeom>
-          <a:ln w="28575">
-            <a:solidFill>
-              <a:srgbClr val="307E58"/>
-            </a:solidFill>
-          </a:ln>
-        </p:spPr>
-        <p:style>
-          <a:lnRef idx="1">
-            <a:schemeClr val="accent1"/>
-          </a:lnRef>
-          <a:fillRef idx="0">
-            <a:schemeClr val="accent1"/>
-          </a:fillRef>
-          <a:effectRef idx="0">
-            <a:schemeClr val="accent1"/>
-          </a:effectRef>
-          <a:fontRef idx="minor">
-            <a:schemeClr val="tx1"/>
-          </a:fontRef>
-        </p:style>
-        <p:txBody>
-          <a:bodyPr rtlCol="0" anchor="ctr"/>
-          <a:lstStyle/>
-          <a:p>
-            <a:pPr algn="ctr"/>
-            <a:endParaRPr lang="en-US" sz="1665" dirty="0"/>
-          </a:p>
-        </p:txBody>
-      </p:sp>
-      <p:sp>
-        <p:nvSpPr>
-          <p:cNvPr id="66" name="Freeform 65">
-            <a:extLst>
-              <a:ext uri="{FF2B5EF4-FFF2-40B4-BE49-F238E27FC236}">
-                <a16:creationId xmlns:a16="http://schemas.microsoft.com/office/drawing/2014/main" id="{BAB469D3-470F-CE1E-2739-94648359A3B0}"/>
-              </a:ext>
-            </a:extLst>
-          </p:cNvPr>
-          <p:cNvSpPr/>
-          <p:nvPr/>
-        </p:nvSpPr>
-        <p:spPr>
-          <a:xfrm>
-            <a:off x="2430365" y="3638069"/>
-            <a:ext cx="885009" cy="191993"/>
-          </a:xfrm>
-          <a:custGeom>
-            <a:avLst/>
-            <a:gdLst>
-              <a:gd name="connsiteX0" fmla="*/ 0 w 963561"/>
-              <a:gd name="connsiteY0" fmla="*/ 206490 h 228719"/>
-              <a:gd name="connsiteX1" fmla="*/ 285135 w 963561"/>
-              <a:gd name="connsiteY1" fmla="*/ 12 h 228719"/>
-              <a:gd name="connsiteX2" fmla="*/ 737419 w 963561"/>
-              <a:gd name="connsiteY2" fmla="*/ 196657 h 228719"/>
-              <a:gd name="connsiteX3" fmla="*/ 963561 w 963561"/>
-              <a:gd name="connsiteY3" fmla="*/ 226154 h 228719"/>
-              <a:gd name="connsiteX0" fmla="*/ 0 w 963561"/>
-              <a:gd name="connsiteY0" fmla="*/ 219055 h 241284"/>
-              <a:gd name="connsiteX1" fmla="*/ 335061 w 963561"/>
-              <a:gd name="connsiteY1" fmla="*/ 11 h 241284"/>
-              <a:gd name="connsiteX2" fmla="*/ 737419 w 963561"/>
-              <a:gd name="connsiteY2" fmla="*/ 209222 h 241284"/>
-              <a:gd name="connsiteX3" fmla="*/ 963561 w 963561"/>
-              <a:gd name="connsiteY3" fmla="*/ 238719 h 241284"/>
-              <a:gd name="connsiteX0" fmla="*/ 0 w 963561"/>
-              <a:gd name="connsiteY0" fmla="*/ 281882 h 304111"/>
-              <a:gd name="connsiteX1" fmla="*/ 572210 w 963561"/>
-              <a:gd name="connsiteY1" fmla="*/ 8 h 304111"/>
-              <a:gd name="connsiteX2" fmla="*/ 737419 w 963561"/>
-              <a:gd name="connsiteY2" fmla="*/ 272049 h 304111"/>
-              <a:gd name="connsiteX3" fmla="*/ 963561 w 963561"/>
-              <a:gd name="connsiteY3" fmla="*/ 301546 h 304111"/>
-              <a:gd name="connsiteX0" fmla="*/ 0 w 1188228"/>
-              <a:gd name="connsiteY0" fmla="*/ 281882 h 327183"/>
-              <a:gd name="connsiteX1" fmla="*/ 572210 w 1188228"/>
-              <a:gd name="connsiteY1" fmla="*/ 8 h 327183"/>
-              <a:gd name="connsiteX2" fmla="*/ 737419 w 1188228"/>
-              <a:gd name="connsiteY2" fmla="*/ 272049 h 327183"/>
-              <a:gd name="connsiteX3" fmla="*/ 1188228 w 1188228"/>
-              <a:gd name="connsiteY3" fmla="*/ 326678 h 327183"/>
-              <a:gd name="connsiteX0" fmla="*/ 0 w 1188228"/>
-              <a:gd name="connsiteY0" fmla="*/ 283887 h 328774"/>
-              <a:gd name="connsiteX1" fmla="*/ 572210 w 1188228"/>
-              <a:gd name="connsiteY1" fmla="*/ 2013 h 328774"/>
-              <a:gd name="connsiteX2" fmla="*/ 887198 w 1188228"/>
-              <a:gd name="connsiteY2" fmla="*/ 160958 h 328774"/>
-              <a:gd name="connsiteX3" fmla="*/ 1188228 w 1188228"/>
-              <a:gd name="connsiteY3" fmla="*/ 328683 h 328774"/>
-              <a:gd name="connsiteX0" fmla="*/ 0 w 1188228"/>
-              <a:gd name="connsiteY0" fmla="*/ 321196 h 366083"/>
-              <a:gd name="connsiteX1" fmla="*/ 672062 w 1188228"/>
-              <a:gd name="connsiteY1" fmla="*/ 1623 h 366083"/>
-              <a:gd name="connsiteX2" fmla="*/ 887198 w 1188228"/>
-              <a:gd name="connsiteY2" fmla="*/ 198267 h 366083"/>
-              <a:gd name="connsiteX3" fmla="*/ 1188228 w 1188228"/>
-              <a:gd name="connsiteY3" fmla="*/ 365992 h 366083"/>
-              <a:gd name="connsiteX0" fmla="*/ 0 w 1188228"/>
-              <a:gd name="connsiteY0" fmla="*/ 322788 h 367656"/>
-              <a:gd name="connsiteX1" fmla="*/ 672062 w 1188228"/>
-              <a:gd name="connsiteY1" fmla="*/ 3215 h 367656"/>
-              <a:gd name="connsiteX2" fmla="*/ 999532 w 1188228"/>
-              <a:gd name="connsiteY2" fmla="*/ 162160 h 367656"/>
-              <a:gd name="connsiteX3" fmla="*/ 1188228 w 1188228"/>
-              <a:gd name="connsiteY3" fmla="*/ 367584 h 367656"/>
-              <a:gd name="connsiteX0" fmla="*/ 0 w 1375450"/>
-              <a:gd name="connsiteY0" fmla="*/ 322789 h 392780"/>
-              <a:gd name="connsiteX1" fmla="*/ 672062 w 1375450"/>
-              <a:gd name="connsiteY1" fmla="*/ 3216 h 392780"/>
-              <a:gd name="connsiteX2" fmla="*/ 999532 w 1375450"/>
-              <a:gd name="connsiteY2" fmla="*/ 162161 h 392780"/>
-              <a:gd name="connsiteX3" fmla="*/ 1375450 w 1375450"/>
-              <a:gd name="connsiteY3" fmla="*/ 392718 h 392780"/>
-              <a:gd name="connsiteX0" fmla="*/ 0 w 1375450"/>
-              <a:gd name="connsiteY0" fmla="*/ 323523 h 393511"/>
-              <a:gd name="connsiteX1" fmla="*/ 672062 w 1375450"/>
-              <a:gd name="connsiteY1" fmla="*/ 3950 h 393511"/>
-              <a:gd name="connsiteX2" fmla="*/ 1012014 w 1375450"/>
-              <a:gd name="connsiteY2" fmla="*/ 150328 h 393511"/>
-              <a:gd name="connsiteX3" fmla="*/ 1375450 w 1375450"/>
-              <a:gd name="connsiteY3" fmla="*/ 393452 h 393511"/>
-              <a:gd name="connsiteX0" fmla="*/ 0 w 1434413"/>
-              <a:gd name="connsiteY0" fmla="*/ 323523 h 409909"/>
-              <a:gd name="connsiteX1" fmla="*/ 672062 w 1434413"/>
-              <a:gd name="connsiteY1" fmla="*/ 3950 h 409909"/>
-              <a:gd name="connsiteX2" fmla="*/ 1012014 w 1434413"/>
-              <a:gd name="connsiteY2" fmla="*/ 150328 h 409909"/>
-              <a:gd name="connsiteX3" fmla="*/ 1434413 w 1434413"/>
-              <a:gd name="connsiteY3" fmla="*/ 409854 h 409909"/>
-              <a:gd name="connsiteX0" fmla="*/ 0 w 1434413"/>
-              <a:gd name="connsiteY0" fmla="*/ 330127 h 416500"/>
-              <a:gd name="connsiteX1" fmla="*/ 672062 w 1434413"/>
-              <a:gd name="connsiteY1" fmla="*/ 10554 h 416500"/>
-              <a:gd name="connsiteX2" fmla="*/ 1041496 w 1434413"/>
-              <a:gd name="connsiteY2" fmla="*/ 91325 h 416500"/>
-              <a:gd name="connsiteX3" fmla="*/ 1434413 w 1434413"/>
-              <a:gd name="connsiteY3" fmla="*/ 416458 h 416500"/>
-              <a:gd name="connsiteX0" fmla="*/ 0 w 1434413"/>
-              <a:gd name="connsiteY0" fmla="*/ 336529 h 422899"/>
-              <a:gd name="connsiteX1" fmla="*/ 672062 w 1434413"/>
-              <a:gd name="connsiteY1" fmla="*/ 16956 h 422899"/>
-              <a:gd name="connsiteX2" fmla="*/ 1070977 w 1434413"/>
-              <a:gd name="connsiteY2" fmla="*/ 64923 h 422899"/>
-              <a:gd name="connsiteX3" fmla="*/ 1434413 w 1434413"/>
-              <a:gd name="connsiteY3" fmla="*/ 422860 h 422899"/>
-            </a:gdLst>
-            <a:ahLst/>
-            <a:cxnLst>
-              <a:cxn ang="0">
-                <a:pos x="connsiteX0" y="connsiteY0"/>
-              </a:cxn>
-              <a:cxn ang="0">
-                <a:pos x="connsiteX1" y="connsiteY1"/>
-              </a:cxn>
-              <a:cxn ang="0">
-                <a:pos x="connsiteX2" y="connsiteY2"/>
-              </a:cxn>
-              <a:cxn ang="0">
-                <a:pos x="connsiteX3" y="connsiteY3"/>
-              </a:cxn>
-            </a:cxnLst>
-            <a:rect l="l" t="t" r="r" b="b"/>
-            <a:pathLst>
-              <a:path w="1434413" h="422899">
-                <a:moveTo>
-                  <a:pt x="0" y="336529"/>
-                </a:moveTo>
-                <a:cubicBezTo>
-                  <a:pt x="81116" y="234109"/>
-                  <a:pt x="493566" y="62224"/>
-                  <a:pt x="672062" y="16956"/>
-                </a:cubicBezTo>
-                <a:cubicBezTo>
-                  <a:pt x="850558" y="-28312"/>
-                  <a:pt x="957906" y="27233"/>
-                  <a:pt x="1070977" y="64923"/>
-                </a:cubicBezTo>
-                <a:cubicBezTo>
-                  <a:pt x="1184048" y="102613"/>
-                  <a:pt x="1377877" y="426956"/>
-                  <a:pt x="1434413" y="422860"/>
-                </a:cubicBezTo>
-              </a:path>
-            </a:pathLst>
-          </a:custGeom>
-          <a:ln w="28575"/>
-        </p:spPr>
-        <p:style>
-          <a:lnRef idx="1">
-            <a:schemeClr val="accent2"/>
-          </a:lnRef>
-          <a:fillRef idx="0">
-            <a:schemeClr val="accent2"/>
-          </a:fillRef>
-          <a:effectRef idx="0">
-            <a:schemeClr val="accent2"/>
-          </a:effectRef>
-          <a:fontRef idx="minor">
-            <a:schemeClr val="tx1"/>
-          </a:fontRef>
-        </p:style>
-        <p:txBody>
-          <a:bodyPr rtlCol="0" anchor="ctr"/>
-          <a:lstStyle/>
-          <a:p>
-            <a:pPr algn="ctr"/>
-            <a:endParaRPr lang="en-US" sz="1665"/>
-          </a:p>
-        </p:txBody>
-      </p:sp>
-      <p:sp>
-        <p:nvSpPr>
-          <p:cNvPr id="67" name="Freeform 66">
-            <a:extLst>
-              <a:ext uri="{FF2B5EF4-FFF2-40B4-BE49-F238E27FC236}">
-                <a16:creationId xmlns:a16="http://schemas.microsoft.com/office/drawing/2014/main" id="{0EF3B8A4-E2D0-AF9C-E122-697E4DCC1511}"/>
-              </a:ext>
-            </a:extLst>
-          </p:cNvPr>
-          <p:cNvSpPr/>
-          <p:nvPr/>
-        </p:nvSpPr>
-        <p:spPr>
-          <a:xfrm>
-            <a:off x="2459044" y="5131894"/>
-            <a:ext cx="691919" cy="357688"/>
-          </a:xfrm>
-          <a:custGeom>
-            <a:avLst/>
-            <a:gdLst>
-              <a:gd name="connsiteX0" fmla="*/ 0 w 963561"/>
-              <a:gd name="connsiteY0" fmla="*/ 206490 h 228719"/>
-              <a:gd name="connsiteX1" fmla="*/ 285135 w 963561"/>
-              <a:gd name="connsiteY1" fmla="*/ 12 h 228719"/>
-              <a:gd name="connsiteX2" fmla="*/ 737419 w 963561"/>
-              <a:gd name="connsiteY2" fmla="*/ 196657 h 228719"/>
-              <a:gd name="connsiteX3" fmla="*/ 963561 w 963561"/>
-              <a:gd name="connsiteY3" fmla="*/ 226154 h 228719"/>
-              <a:gd name="connsiteX0" fmla="*/ 0 w 963561"/>
-              <a:gd name="connsiteY0" fmla="*/ 369845 h 392074"/>
-              <a:gd name="connsiteX1" fmla="*/ 185283 w 963561"/>
-              <a:gd name="connsiteY1" fmla="*/ 6 h 392074"/>
-              <a:gd name="connsiteX2" fmla="*/ 737419 w 963561"/>
-              <a:gd name="connsiteY2" fmla="*/ 360012 h 392074"/>
-              <a:gd name="connsiteX3" fmla="*/ 963561 w 963561"/>
-              <a:gd name="connsiteY3" fmla="*/ 389509 h 392074"/>
-              <a:gd name="connsiteX0" fmla="*/ 0 w 963561"/>
-              <a:gd name="connsiteY0" fmla="*/ 508071 h 530300"/>
-              <a:gd name="connsiteX1" fmla="*/ 185283 w 963561"/>
-              <a:gd name="connsiteY1" fmla="*/ 4 h 530300"/>
-              <a:gd name="connsiteX2" fmla="*/ 737419 w 963561"/>
-              <a:gd name="connsiteY2" fmla="*/ 498238 h 530300"/>
-              <a:gd name="connsiteX3" fmla="*/ 963561 w 963561"/>
-              <a:gd name="connsiteY3" fmla="*/ 527735 h 530300"/>
-              <a:gd name="connsiteX0" fmla="*/ 0 w 963561"/>
-              <a:gd name="connsiteY0" fmla="*/ 508071 h 530300"/>
-              <a:gd name="connsiteX1" fmla="*/ 135356 w 963561"/>
-              <a:gd name="connsiteY1" fmla="*/ 4 h 530300"/>
-              <a:gd name="connsiteX2" fmla="*/ 737419 w 963561"/>
-              <a:gd name="connsiteY2" fmla="*/ 498238 h 530300"/>
-              <a:gd name="connsiteX3" fmla="*/ 963561 w 963561"/>
-              <a:gd name="connsiteY3" fmla="*/ 527735 h 530300"/>
-              <a:gd name="connsiteX0" fmla="*/ 0 w 963561"/>
-              <a:gd name="connsiteY0" fmla="*/ 508071 h 530300"/>
-              <a:gd name="connsiteX1" fmla="*/ 272654 w 963561"/>
-              <a:gd name="connsiteY1" fmla="*/ 4 h 530300"/>
-              <a:gd name="connsiteX2" fmla="*/ 737419 w 963561"/>
-              <a:gd name="connsiteY2" fmla="*/ 498238 h 530300"/>
-              <a:gd name="connsiteX3" fmla="*/ 963561 w 963561"/>
-              <a:gd name="connsiteY3" fmla="*/ 527735 h 530300"/>
-              <a:gd name="connsiteX0" fmla="*/ 0 w 963561"/>
-              <a:gd name="connsiteY0" fmla="*/ 493993 h 516222"/>
-              <a:gd name="connsiteX1" fmla="*/ 412508 w 963561"/>
-              <a:gd name="connsiteY1" fmla="*/ 5 h 516222"/>
-              <a:gd name="connsiteX2" fmla="*/ 737419 w 963561"/>
-              <a:gd name="connsiteY2" fmla="*/ 484160 h 516222"/>
-              <a:gd name="connsiteX3" fmla="*/ 963561 w 963561"/>
-              <a:gd name="connsiteY3" fmla="*/ 513657 h 516222"/>
-              <a:gd name="connsiteX0" fmla="*/ 0 w 949575"/>
-              <a:gd name="connsiteY0" fmla="*/ 493993 h 498831"/>
-              <a:gd name="connsiteX1" fmla="*/ 412508 w 949575"/>
-              <a:gd name="connsiteY1" fmla="*/ 5 h 498831"/>
-              <a:gd name="connsiteX2" fmla="*/ 737419 w 949575"/>
-              <a:gd name="connsiteY2" fmla="*/ 484160 h 498831"/>
-              <a:gd name="connsiteX3" fmla="*/ 949575 w 949575"/>
-              <a:gd name="connsiteY3" fmla="*/ 471416 h 498831"/>
-              <a:gd name="connsiteX0" fmla="*/ 0 w 949575"/>
-              <a:gd name="connsiteY0" fmla="*/ 494212 h 494212"/>
-              <a:gd name="connsiteX1" fmla="*/ 412508 w 949575"/>
-              <a:gd name="connsiteY1" fmla="*/ 224 h 494212"/>
-              <a:gd name="connsiteX2" fmla="*/ 765391 w 949575"/>
-              <a:gd name="connsiteY2" fmla="*/ 428059 h 494212"/>
-              <a:gd name="connsiteX3" fmla="*/ 949575 w 949575"/>
-              <a:gd name="connsiteY3" fmla="*/ 471635 h 494212"/>
-            </a:gdLst>
-            <a:ahLst/>
-            <a:cxnLst>
-              <a:cxn ang="0">
-                <a:pos x="connsiteX0" y="connsiteY0"/>
-              </a:cxn>
-              <a:cxn ang="0">
-                <a:pos x="connsiteX1" y="connsiteY1"/>
-              </a:cxn>
-              <a:cxn ang="0">
-                <a:pos x="connsiteX2" y="connsiteY2"/>
-              </a:cxn>
-              <a:cxn ang="0">
-                <a:pos x="connsiteX3" y="connsiteY3"/>
-              </a:cxn>
-            </a:cxnLst>
-            <a:rect l="l" t="t" r="r" b="b"/>
-            <a:pathLst>
-              <a:path w="949575" h="494212">
-                <a:moveTo>
-                  <a:pt x="0" y="494212"/>
-                </a:moveTo>
-                <a:cubicBezTo>
-                  <a:pt x="81116" y="391792"/>
-                  <a:pt x="284943" y="11250"/>
-                  <a:pt x="412508" y="224"/>
-                </a:cubicBezTo>
-                <a:cubicBezTo>
-                  <a:pt x="540073" y="-10802"/>
-                  <a:pt x="652320" y="390369"/>
-                  <a:pt x="765391" y="428059"/>
-                </a:cubicBezTo>
-                <a:cubicBezTo>
-                  <a:pt x="878462" y="465749"/>
-                  <a:pt x="893039" y="475731"/>
-                  <a:pt x="949575" y="471635"/>
-                </a:cubicBezTo>
-              </a:path>
-            </a:pathLst>
-          </a:custGeom>
-          <a:ln w="28575"/>
-        </p:spPr>
-        <p:style>
-          <a:lnRef idx="1">
-            <a:schemeClr val="accent2"/>
-          </a:lnRef>
-          <a:fillRef idx="0">
-            <a:schemeClr val="accent2"/>
-          </a:fillRef>
-          <a:effectRef idx="0">
-            <a:schemeClr val="accent2"/>
-          </a:effectRef>
-          <a:fontRef idx="minor">
-            <a:schemeClr val="tx1"/>
-          </a:fontRef>
-        </p:style>
-        <p:txBody>
-          <a:bodyPr rtlCol="0" anchor="ctr"/>
-          <a:lstStyle/>
-          <a:p>
-            <a:pPr algn="ctr"/>
-            <a:endParaRPr lang="en-US" sz="1665"/>
-          </a:p>
-        </p:txBody>
-      </p:sp>
-      <p:sp>
-        <p:nvSpPr>
-          <p:cNvPr id="68" name="Freeform 67">
-            <a:extLst>
-              <a:ext uri="{FF2B5EF4-FFF2-40B4-BE49-F238E27FC236}">
-                <a16:creationId xmlns:a16="http://schemas.microsoft.com/office/drawing/2014/main" id="{CBFADFDE-9C49-E4B3-C5F0-ED7659148453}"/>
-              </a:ext>
-            </a:extLst>
-          </p:cNvPr>
-          <p:cNvSpPr/>
-          <p:nvPr/>
-        </p:nvSpPr>
-        <p:spPr>
-          <a:xfrm>
-            <a:off x="3341452" y="5286461"/>
-            <a:ext cx="856722" cy="192791"/>
-          </a:xfrm>
-          <a:custGeom>
-            <a:avLst/>
-            <a:gdLst>
-              <a:gd name="connsiteX0" fmla="*/ 0 w 963561"/>
-              <a:gd name="connsiteY0" fmla="*/ 206490 h 228719"/>
-              <a:gd name="connsiteX1" fmla="*/ 285135 w 963561"/>
-              <a:gd name="connsiteY1" fmla="*/ 12 h 228719"/>
-              <a:gd name="connsiteX2" fmla="*/ 737419 w 963561"/>
-              <a:gd name="connsiteY2" fmla="*/ 196657 h 228719"/>
-              <a:gd name="connsiteX3" fmla="*/ 963561 w 963561"/>
-              <a:gd name="connsiteY3" fmla="*/ 226154 h 228719"/>
-              <a:gd name="connsiteX0" fmla="*/ 0 w 963561"/>
-              <a:gd name="connsiteY0" fmla="*/ 357279 h 379508"/>
-              <a:gd name="connsiteX1" fmla="*/ 122874 w 963561"/>
-              <a:gd name="connsiteY1" fmla="*/ 6 h 379508"/>
-              <a:gd name="connsiteX2" fmla="*/ 737419 w 963561"/>
-              <a:gd name="connsiteY2" fmla="*/ 347446 h 379508"/>
-              <a:gd name="connsiteX3" fmla="*/ 963561 w 963561"/>
-              <a:gd name="connsiteY3" fmla="*/ 376943 h 379508"/>
-              <a:gd name="connsiteX0" fmla="*/ 0 w 963561"/>
-              <a:gd name="connsiteY0" fmla="*/ 369846 h 392075"/>
-              <a:gd name="connsiteX1" fmla="*/ 210245 w 963561"/>
-              <a:gd name="connsiteY1" fmla="*/ 6 h 392075"/>
-              <a:gd name="connsiteX2" fmla="*/ 737419 w 963561"/>
-              <a:gd name="connsiteY2" fmla="*/ 360013 h 392075"/>
-              <a:gd name="connsiteX3" fmla="*/ 963561 w 963561"/>
-              <a:gd name="connsiteY3" fmla="*/ 389510 h 392075"/>
-              <a:gd name="connsiteX0" fmla="*/ 0 w 1013487"/>
-              <a:gd name="connsiteY0" fmla="*/ 369846 h 427548"/>
-              <a:gd name="connsiteX1" fmla="*/ 210245 w 1013487"/>
-              <a:gd name="connsiteY1" fmla="*/ 6 h 427548"/>
-              <a:gd name="connsiteX2" fmla="*/ 737419 w 1013487"/>
-              <a:gd name="connsiteY2" fmla="*/ 360013 h 427548"/>
-              <a:gd name="connsiteX3" fmla="*/ 1013487 w 1013487"/>
-              <a:gd name="connsiteY3" fmla="*/ 427208 h 427548"/>
-              <a:gd name="connsiteX0" fmla="*/ 0 w 1013487"/>
-              <a:gd name="connsiteY0" fmla="*/ 357281 h 414982"/>
-              <a:gd name="connsiteX1" fmla="*/ 197763 w 1013487"/>
-              <a:gd name="connsiteY1" fmla="*/ 7 h 414982"/>
-              <a:gd name="connsiteX2" fmla="*/ 737419 w 1013487"/>
-              <a:gd name="connsiteY2" fmla="*/ 347448 h 414982"/>
-              <a:gd name="connsiteX3" fmla="*/ 1013487 w 1013487"/>
-              <a:gd name="connsiteY3" fmla="*/ 414643 h 414982"/>
-              <a:gd name="connsiteX0" fmla="*/ 0 w 1063413"/>
-              <a:gd name="connsiteY0" fmla="*/ 357281 h 371583"/>
-              <a:gd name="connsiteX1" fmla="*/ 197763 w 1063413"/>
-              <a:gd name="connsiteY1" fmla="*/ 7 h 371583"/>
-              <a:gd name="connsiteX2" fmla="*/ 737419 w 1063413"/>
-              <a:gd name="connsiteY2" fmla="*/ 347448 h 371583"/>
-              <a:gd name="connsiteX3" fmla="*/ 1063413 w 1063413"/>
-              <a:gd name="connsiteY3" fmla="*/ 364379 h 371583"/>
-              <a:gd name="connsiteX0" fmla="*/ 0 w 1063413"/>
-              <a:gd name="connsiteY0" fmla="*/ 357685 h 365037"/>
-              <a:gd name="connsiteX1" fmla="*/ 197763 w 1063413"/>
-              <a:gd name="connsiteY1" fmla="*/ 411 h 365037"/>
-              <a:gd name="connsiteX2" fmla="*/ 774863 w 1063413"/>
-              <a:gd name="connsiteY2" fmla="*/ 285020 h 365037"/>
-              <a:gd name="connsiteX3" fmla="*/ 1063413 w 1063413"/>
-              <a:gd name="connsiteY3" fmla="*/ 364783 h 365037"/>
-              <a:gd name="connsiteX0" fmla="*/ 0 w 1063413"/>
-              <a:gd name="connsiteY0" fmla="*/ 382784 h 390136"/>
-              <a:gd name="connsiteX1" fmla="*/ 260170 w 1063413"/>
-              <a:gd name="connsiteY1" fmla="*/ 377 h 390136"/>
-              <a:gd name="connsiteX2" fmla="*/ 774863 w 1063413"/>
-              <a:gd name="connsiteY2" fmla="*/ 310119 h 390136"/>
-              <a:gd name="connsiteX3" fmla="*/ 1063413 w 1063413"/>
-              <a:gd name="connsiteY3" fmla="*/ 389882 h 390136"/>
-              <a:gd name="connsiteX0" fmla="*/ 0 w 1063413"/>
-              <a:gd name="connsiteY0" fmla="*/ 420440 h 427792"/>
-              <a:gd name="connsiteX1" fmla="*/ 222726 w 1063413"/>
-              <a:gd name="connsiteY1" fmla="*/ 334 h 427792"/>
-              <a:gd name="connsiteX2" fmla="*/ 774863 w 1063413"/>
-              <a:gd name="connsiteY2" fmla="*/ 347775 h 427792"/>
-              <a:gd name="connsiteX3" fmla="*/ 1063413 w 1063413"/>
-              <a:gd name="connsiteY3" fmla="*/ 427538 h 427792"/>
-              <a:gd name="connsiteX0" fmla="*/ 0 w 1063413"/>
-              <a:gd name="connsiteY0" fmla="*/ 420440 h 427792"/>
-              <a:gd name="connsiteX1" fmla="*/ 347541 w 1063413"/>
-              <a:gd name="connsiteY1" fmla="*/ 334 h 427792"/>
-              <a:gd name="connsiteX2" fmla="*/ 774863 w 1063413"/>
-              <a:gd name="connsiteY2" fmla="*/ 347775 h 427792"/>
-              <a:gd name="connsiteX3" fmla="*/ 1063413 w 1063413"/>
-              <a:gd name="connsiteY3" fmla="*/ 427538 h 427792"/>
-              <a:gd name="connsiteX0" fmla="*/ 0 w 1063413"/>
-              <a:gd name="connsiteY0" fmla="*/ 357686 h 365038"/>
-              <a:gd name="connsiteX1" fmla="*/ 347541 w 1063413"/>
-              <a:gd name="connsiteY1" fmla="*/ 412 h 365038"/>
-              <a:gd name="connsiteX2" fmla="*/ 774863 w 1063413"/>
-              <a:gd name="connsiteY2" fmla="*/ 285021 h 365038"/>
-              <a:gd name="connsiteX3" fmla="*/ 1063413 w 1063413"/>
-              <a:gd name="connsiteY3" fmla="*/ 364784 h 365038"/>
-              <a:gd name="connsiteX0" fmla="*/ 0 w 1063413"/>
-              <a:gd name="connsiteY0" fmla="*/ 357686 h 365038"/>
-              <a:gd name="connsiteX1" fmla="*/ 447393 w 1063413"/>
-              <a:gd name="connsiteY1" fmla="*/ 412 h 365038"/>
-              <a:gd name="connsiteX2" fmla="*/ 774863 w 1063413"/>
-              <a:gd name="connsiteY2" fmla="*/ 285021 h 365038"/>
-              <a:gd name="connsiteX3" fmla="*/ 1063413 w 1063413"/>
-              <a:gd name="connsiteY3" fmla="*/ 364784 h 365038"/>
-              <a:gd name="connsiteX0" fmla="*/ 0 w 1063413"/>
-              <a:gd name="connsiteY0" fmla="*/ 357859 h 365159"/>
-              <a:gd name="connsiteX1" fmla="*/ 447393 w 1063413"/>
-              <a:gd name="connsiteY1" fmla="*/ 585 h 365159"/>
-              <a:gd name="connsiteX2" fmla="*/ 874716 w 1063413"/>
-              <a:gd name="connsiteY2" fmla="*/ 272628 h 365159"/>
-              <a:gd name="connsiteX3" fmla="*/ 1063413 w 1063413"/>
-              <a:gd name="connsiteY3" fmla="*/ 364957 h 365159"/>
-              <a:gd name="connsiteX0" fmla="*/ 0 w 1175747"/>
-              <a:gd name="connsiteY0" fmla="*/ 357859 h 357859"/>
-              <a:gd name="connsiteX1" fmla="*/ 447393 w 1175747"/>
-              <a:gd name="connsiteY1" fmla="*/ 585 h 357859"/>
-              <a:gd name="connsiteX2" fmla="*/ 874716 w 1175747"/>
-              <a:gd name="connsiteY2" fmla="*/ 272628 h 357859"/>
-              <a:gd name="connsiteX3" fmla="*/ 1175747 w 1175747"/>
-              <a:gd name="connsiteY3" fmla="*/ 314692 h 357859"/>
-              <a:gd name="connsiteX0" fmla="*/ 0 w 1175747"/>
-              <a:gd name="connsiteY0" fmla="*/ 382940 h 382940"/>
-              <a:gd name="connsiteX1" fmla="*/ 572210 w 1175747"/>
-              <a:gd name="connsiteY1" fmla="*/ 533 h 382940"/>
-              <a:gd name="connsiteX2" fmla="*/ 874716 w 1175747"/>
-              <a:gd name="connsiteY2" fmla="*/ 297709 h 382940"/>
-              <a:gd name="connsiteX3" fmla="*/ 1175747 w 1175747"/>
-              <a:gd name="connsiteY3" fmla="*/ 339773 h 382940"/>
-              <a:gd name="connsiteX0" fmla="*/ 0 w 1175747"/>
-              <a:gd name="connsiteY0" fmla="*/ 383634 h 383634"/>
-              <a:gd name="connsiteX1" fmla="*/ 572210 w 1175747"/>
-              <a:gd name="connsiteY1" fmla="*/ 1227 h 383634"/>
-              <a:gd name="connsiteX2" fmla="*/ 962087 w 1175747"/>
-              <a:gd name="connsiteY2" fmla="*/ 260703 h 383634"/>
-              <a:gd name="connsiteX3" fmla="*/ 1175747 w 1175747"/>
-              <a:gd name="connsiteY3" fmla="*/ 340467 h 383634"/>
-              <a:gd name="connsiteX0" fmla="*/ 0 w 1175747"/>
-              <a:gd name="connsiteY0" fmla="*/ 364468 h 364468"/>
-              <a:gd name="connsiteX1" fmla="*/ 670107 w 1175747"/>
-              <a:gd name="connsiteY1" fmla="*/ 1327 h 364468"/>
-              <a:gd name="connsiteX2" fmla="*/ 962087 w 1175747"/>
-              <a:gd name="connsiteY2" fmla="*/ 241537 h 364468"/>
-              <a:gd name="connsiteX3" fmla="*/ 1175747 w 1175747"/>
-              <a:gd name="connsiteY3" fmla="*/ 321301 h 364468"/>
-              <a:gd name="connsiteX0" fmla="*/ 0 w 1175747"/>
-              <a:gd name="connsiteY0" fmla="*/ 364468 h 364468"/>
-              <a:gd name="connsiteX1" fmla="*/ 670107 w 1175747"/>
-              <a:gd name="connsiteY1" fmla="*/ 1327 h 364468"/>
-              <a:gd name="connsiteX2" fmla="*/ 1045999 w 1175747"/>
-              <a:gd name="connsiteY2" fmla="*/ 241537 h 364468"/>
-              <a:gd name="connsiteX3" fmla="*/ 1175747 w 1175747"/>
-              <a:gd name="connsiteY3" fmla="*/ 321301 h 364468"/>
-            </a:gdLst>
-            <a:ahLst/>
-            <a:cxnLst>
-              <a:cxn ang="0">
-                <a:pos x="connsiteX0" y="connsiteY0"/>
-              </a:cxn>
-              <a:cxn ang="0">
-                <a:pos x="connsiteX1" y="connsiteY1"/>
-              </a:cxn>
-              <a:cxn ang="0">
-                <a:pos x="connsiteX2" y="connsiteY2"/>
-              </a:cxn>
-              <a:cxn ang="0">
-                <a:pos x="connsiteX3" y="connsiteY3"/>
-              </a:cxn>
-            </a:cxnLst>
-            <a:rect l="l" t="t" r="r" b="b"/>
-            <a:pathLst>
-              <a:path w="1175747" h="364468">
-                <a:moveTo>
-                  <a:pt x="0" y="364468"/>
-                </a:moveTo>
-                <a:cubicBezTo>
-                  <a:pt x="81116" y="262048"/>
-                  <a:pt x="495774" y="21815"/>
-                  <a:pt x="670107" y="1327"/>
-                </a:cubicBezTo>
-                <a:cubicBezTo>
-                  <a:pt x="844440" y="-19161"/>
-                  <a:pt x="932928" y="203847"/>
-                  <a:pt x="1045999" y="241537"/>
-                </a:cubicBezTo>
-                <a:cubicBezTo>
-                  <a:pt x="1159070" y="279227"/>
-                  <a:pt x="1119211" y="325397"/>
-                  <a:pt x="1175747" y="321301"/>
-                </a:cubicBezTo>
-              </a:path>
-            </a:pathLst>
-          </a:custGeom>
-          <a:ln w="28575">
-            <a:solidFill>
-              <a:srgbClr val="307E58"/>
-            </a:solidFill>
-          </a:ln>
-        </p:spPr>
-        <p:style>
-          <a:lnRef idx="1">
-            <a:schemeClr val="accent1"/>
-          </a:lnRef>
-          <a:fillRef idx="0">
-            <a:schemeClr val="accent1"/>
-          </a:fillRef>
-          <a:effectRef idx="0">
-            <a:schemeClr val="accent1"/>
-          </a:effectRef>
-          <a:fontRef idx="minor">
-            <a:schemeClr val="tx1"/>
-          </a:fontRef>
-        </p:style>
-        <p:txBody>
-          <a:bodyPr rtlCol="0" anchor="ctr"/>
-          <a:lstStyle/>
-          <a:p>
-            <a:pPr algn="ctr"/>
-            <a:endParaRPr lang="en-US" sz="1665" dirty="0"/>
-          </a:p>
-        </p:txBody>
-      </p:sp>
-      <p:sp>
-        <p:nvSpPr>
-          <p:cNvPr id="69" name="Right Arrow 68">
-            <a:extLst>
-              <a:ext uri="{FF2B5EF4-FFF2-40B4-BE49-F238E27FC236}">
-                <a16:creationId xmlns:a16="http://schemas.microsoft.com/office/drawing/2014/main" id="{8A72C87B-E5B4-8E4A-C79B-212266CF43F4}"/>
-              </a:ext>
-            </a:extLst>
-          </p:cNvPr>
-          <p:cNvSpPr/>
-          <p:nvPr/>
-        </p:nvSpPr>
-        <p:spPr>
-          <a:xfrm>
-            <a:off x="6914450" y="4323583"/>
-            <a:ext cx="414756" cy="140970"/>
-          </a:xfrm>
-          <a:prstGeom prst="rightArrow">
-            <a:avLst/>
-          </a:prstGeom>
-          <a:solidFill>
-            <a:schemeClr val="accent2">
-              <a:lumMod val="75000"/>
-            </a:schemeClr>
-          </a:solidFill>
-          <a:ln>
-            <a:solidFill>
-              <a:schemeClr val="accent2">
-                <a:lumMod val="75000"/>
-              </a:schemeClr>
-            </a:solidFill>
-          </a:ln>
-        </p:spPr>
-        <p:style>
-          <a:lnRef idx="2">
-            <a:schemeClr val="accent1">
-              <a:shade val="15000"/>
-            </a:schemeClr>
-          </a:lnRef>
-          <a:fillRef idx="1">
-            <a:schemeClr val="accent1"/>
-          </a:fillRef>
-          <a:effectRef idx="0">
-            <a:schemeClr val="accent1"/>
-          </a:effectRef>
-          <a:fontRef idx="minor">
-            <a:schemeClr val="lt1"/>
-          </a:fontRef>
-        </p:style>
-        <p:txBody>
-          <a:bodyPr rtlCol="0" anchor="ctr"/>
-          <a:lstStyle/>
-          <a:p>
-            <a:pPr algn="ctr"/>
-            <a:endParaRPr lang="en-US" sz="1665"/>
-          </a:p>
-        </p:txBody>
-      </p:sp>
-      <p:sp>
-        <p:nvSpPr>
-          <p:cNvPr id="70" name="Right Arrow 69">
-            <a:extLst>
-              <a:ext uri="{FF2B5EF4-FFF2-40B4-BE49-F238E27FC236}">
-                <a16:creationId xmlns:a16="http://schemas.microsoft.com/office/drawing/2014/main" id="{8E439041-37BB-9C36-551C-4E7E7439976F}"/>
-              </a:ext>
-            </a:extLst>
-          </p:cNvPr>
-          <p:cNvSpPr/>
-          <p:nvPr/>
-        </p:nvSpPr>
-        <p:spPr>
-          <a:xfrm rot="10800000">
-            <a:off x="6904380" y="5033178"/>
-            <a:ext cx="414756" cy="140970"/>
-          </a:xfrm>
-          <a:prstGeom prst="rightArrow">
-            <a:avLst/>
-          </a:prstGeom>
-          <a:solidFill>
-            <a:srgbClr val="307E58"/>
-          </a:solidFill>
-          <a:ln>
-            <a:solidFill>
-              <a:srgbClr val="307E58"/>
-            </a:solidFill>
-          </a:ln>
-        </p:spPr>
-        <p:style>
-          <a:lnRef idx="2">
-            <a:schemeClr val="accent1">
-              <a:shade val="15000"/>
-            </a:schemeClr>
-          </a:lnRef>
-          <a:fillRef idx="1">
-            <a:schemeClr val="accent1"/>
-          </a:fillRef>
-          <a:effectRef idx="0">
-            <a:schemeClr val="accent1"/>
-          </a:effectRef>
-          <a:fontRef idx="minor">
-            <a:schemeClr val="lt1"/>
-          </a:fontRef>
-        </p:style>
-        <p:txBody>
-          <a:bodyPr rtlCol="0" anchor="ctr"/>
-          <a:lstStyle/>
-          <a:p>
-            <a:pPr algn="ctr"/>
-            <a:endParaRPr lang="en-US" sz="1665"/>
-          </a:p>
-        </p:txBody>
-      </p:sp>
-      <p:sp>
-        <p:nvSpPr>
-          <p:cNvPr id="71" name="TextBox 70">
-            <a:extLst>
-              <a:ext uri="{FF2B5EF4-FFF2-40B4-BE49-F238E27FC236}">
-                <a16:creationId xmlns:a16="http://schemas.microsoft.com/office/drawing/2014/main" id="{BF0076F8-A4AB-5543-7C87-12C4F8794C7C}"/>
-              </a:ext>
-            </a:extLst>
-          </p:cNvPr>
-          <p:cNvSpPr txBox="1"/>
-          <p:nvPr/>
-        </p:nvSpPr>
-        <p:spPr>
-          <a:xfrm>
-            <a:off x="6393869" y="3591021"/>
-            <a:ext cx="1958228" cy="690189"/>
-          </a:xfrm>
-          <a:prstGeom prst="rect">
-            <a:avLst/>
-          </a:prstGeom>
-          <a:noFill/>
-        </p:spPr>
-        <p:txBody>
-          <a:bodyPr wrap="square" rtlCol="0">
-            <a:spAutoFit/>
-          </a:bodyPr>
-          <a:lstStyle/>
-          <a:p>
-            <a:r>
-              <a:rPr lang="en-US" sz="1295" dirty="0">
-                <a:latin typeface="Helvetica" pitchFamily="2" charset="0"/>
-              </a:rPr>
-              <a:t>Peak timing shift under future precipitation intensification:</a:t>
-            </a:r>
-          </a:p>
-        </p:txBody>
-      </p:sp>
-      <p:sp>
-        <p:nvSpPr>
-          <p:cNvPr id="72" name="Freeform 71">
-            <a:extLst>
-              <a:ext uri="{FF2B5EF4-FFF2-40B4-BE49-F238E27FC236}">
-                <a16:creationId xmlns:a16="http://schemas.microsoft.com/office/drawing/2014/main" id="{E7B93802-D8FA-3281-9A06-BA827645C291}"/>
-              </a:ext>
-            </a:extLst>
-          </p:cNvPr>
-          <p:cNvSpPr/>
-          <p:nvPr/>
-        </p:nvSpPr>
-        <p:spPr>
-          <a:xfrm>
-            <a:off x="3452509" y="3531726"/>
-            <a:ext cx="829437" cy="286712"/>
-          </a:xfrm>
-          <a:custGeom>
-            <a:avLst/>
-            <a:gdLst>
-              <a:gd name="connsiteX0" fmla="*/ 0 w 963561"/>
-              <a:gd name="connsiteY0" fmla="*/ 206490 h 228719"/>
-              <a:gd name="connsiteX1" fmla="*/ 285135 w 963561"/>
-              <a:gd name="connsiteY1" fmla="*/ 12 h 228719"/>
-              <a:gd name="connsiteX2" fmla="*/ 737419 w 963561"/>
-              <a:gd name="connsiteY2" fmla="*/ 196657 h 228719"/>
-              <a:gd name="connsiteX3" fmla="*/ 963561 w 963561"/>
-              <a:gd name="connsiteY3" fmla="*/ 226154 h 228719"/>
-              <a:gd name="connsiteX0" fmla="*/ 0 w 963561"/>
-              <a:gd name="connsiteY0" fmla="*/ 357279 h 379508"/>
-              <a:gd name="connsiteX1" fmla="*/ 122874 w 963561"/>
-              <a:gd name="connsiteY1" fmla="*/ 6 h 379508"/>
-              <a:gd name="connsiteX2" fmla="*/ 737419 w 963561"/>
-              <a:gd name="connsiteY2" fmla="*/ 347446 h 379508"/>
-              <a:gd name="connsiteX3" fmla="*/ 963561 w 963561"/>
-              <a:gd name="connsiteY3" fmla="*/ 376943 h 379508"/>
-              <a:gd name="connsiteX0" fmla="*/ 0 w 963561"/>
-              <a:gd name="connsiteY0" fmla="*/ 369846 h 392075"/>
-              <a:gd name="connsiteX1" fmla="*/ 210245 w 963561"/>
-              <a:gd name="connsiteY1" fmla="*/ 6 h 392075"/>
-              <a:gd name="connsiteX2" fmla="*/ 737419 w 963561"/>
-              <a:gd name="connsiteY2" fmla="*/ 360013 h 392075"/>
-              <a:gd name="connsiteX3" fmla="*/ 963561 w 963561"/>
-              <a:gd name="connsiteY3" fmla="*/ 389510 h 392075"/>
-              <a:gd name="connsiteX0" fmla="*/ 0 w 1013487"/>
-              <a:gd name="connsiteY0" fmla="*/ 369846 h 427548"/>
-              <a:gd name="connsiteX1" fmla="*/ 210245 w 1013487"/>
-              <a:gd name="connsiteY1" fmla="*/ 6 h 427548"/>
-              <a:gd name="connsiteX2" fmla="*/ 737419 w 1013487"/>
-              <a:gd name="connsiteY2" fmla="*/ 360013 h 427548"/>
-              <a:gd name="connsiteX3" fmla="*/ 1013487 w 1013487"/>
-              <a:gd name="connsiteY3" fmla="*/ 427208 h 427548"/>
-              <a:gd name="connsiteX0" fmla="*/ 0 w 1013487"/>
-              <a:gd name="connsiteY0" fmla="*/ 357281 h 414982"/>
-              <a:gd name="connsiteX1" fmla="*/ 197763 w 1013487"/>
-              <a:gd name="connsiteY1" fmla="*/ 7 h 414982"/>
-              <a:gd name="connsiteX2" fmla="*/ 737419 w 1013487"/>
-              <a:gd name="connsiteY2" fmla="*/ 347448 h 414982"/>
-              <a:gd name="connsiteX3" fmla="*/ 1013487 w 1013487"/>
-              <a:gd name="connsiteY3" fmla="*/ 414643 h 414982"/>
-              <a:gd name="connsiteX0" fmla="*/ 0 w 1063413"/>
-              <a:gd name="connsiteY0" fmla="*/ 357281 h 371583"/>
-              <a:gd name="connsiteX1" fmla="*/ 197763 w 1063413"/>
-              <a:gd name="connsiteY1" fmla="*/ 7 h 371583"/>
-              <a:gd name="connsiteX2" fmla="*/ 737419 w 1063413"/>
-              <a:gd name="connsiteY2" fmla="*/ 347448 h 371583"/>
-              <a:gd name="connsiteX3" fmla="*/ 1063413 w 1063413"/>
-              <a:gd name="connsiteY3" fmla="*/ 364379 h 371583"/>
-              <a:gd name="connsiteX0" fmla="*/ 0 w 1063413"/>
-              <a:gd name="connsiteY0" fmla="*/ 357685 h 365037"/>
-              <a:gd name="connsiteX1" fmla="*/ 197763 w 1063413"/>
-              <a:gd name="connsiteY1" fmla="*/ 411 h 365037"/>
-              <a:gd name="connsiteX2" fmla="*/ 774863 w 1063413"/>
-              <a:gd name="connsiteY2" fmla="*/ 285020 h 365037"/>
-              <a:gd name="connsiteX3" fmla="*/ 1063413 w 1063413"/>
-              <a:gd name="connsiteY3" fmla="*/ 364783 h 365037"/>
-              <a:gd name="connsiteX0" fmla="*/ 0 w 1063413"/>
-              <a:gd name="connsiteY0" fmla="*/ 357685 h 365037"/>
-              <a:gd name="connsiteX1" fmla="*/ 272651 w 1063413"/>
-              <a:gd name="connsiteY1" fmla="*/ 412 h 365037"/>
-              <a:gd name="connsiteX2" fmla="*/ 774863 w 1063413"/>
-              <a:gd name="connsiteY2" fmla="*/ 285020 h 365037"/>
-              <a:gd name="connsiteX3" fmla="*/ 1063413 w 1063413"/>
-              <a:gd name="connsiteY3" fmla="*/ 364783 h 365037"/>
-              <a:gd name="connsiteX0" fmla="*/ 0 w 1063413"/>
-              <a:gd name="connsiteY0" fmla="*/ 420438 h 427790"/>
-              <a:gd name="connsiteX1" fmla="*/ 247687 w 1063413"/>
-              <a:gd name="connsiteY1" fmla="*/ 333 h 427790"/>
-              <a:gd name="connsiteX2" fmla="*/ 774863 w 1063413"/>
-              <a:gd name="connsiteY2" fmla="*/ 347773 h 427790"/>
-              <a:gd name="connsiteX3" fmla="*/ 1063413 w 1063413"/>
-              <a:gd name="connsiteY3" fmla="*/ 427536 h 427790"/>
-              <a:gd name="connsiteX0" fmla="*/ 0 w 1063413"/>
-              <a:gd name="connsiteY0" fmla="*/ 420438 h 427790"/>
-              <a:gd name="connsiteX1" fmla="*/ 347540 w 1063413"/>
-              <a:gd name="connsiteY1" fmla="*/ 334 h 427790"/>
-              <a:gd name="connsiteX2" fmla="*/ 774863 w 1063413"/>
-              <a:gd name="connsiteY2" fmla="*/ 347773 h 427790"/>
-              <a:gd name="connsiteX3" fmla="*/ 1063413 w 1063413"/>
-              <a:gd name="connsiteY3" fmla="*/ 427536 h 427790"/>
-              <a:gd name="connsiteX0" fmla="*/ 0 w 1063413"/>
-              <a:gd name="connsiteY0" fmla="*/ 407886 h 415238"/>
-              <a:gd name="connsiteX1" fmla="*/ 434911 w 1063413"/>
-              <a:gd name="connsiteY1" fmla="*/ 347 h 415238"/>
-              <a:gd name="connsiteX2" fmla="*/ 774863 w 1063413"/>
-              <a:gd name="connsiteY2" fmla="*/ 335221 h 415238"/>
-              <a:gd name="connsiteX3" fmla="*/ 1063413 w 1063413"/>
-              <a:gd name="connsiteY3" fmla="*/ 414984 h 415238"/>
-              <a:gd name="connsiteX0" fmla="*/ 0 w 1063413"/>
-              <a:gd name="connsiteY0" fmla="*/ 408029 h 415330"/>
-              <a:gd name="connsiteX1" fmla="*/ 434911 w 1063413"/>
-              <a:gd name="connsiteY1" fmla="*/ 490 h 415330"/>
-              <a:gd name="connsiteX2" fmla="*/ 862233 w 1063413"/>
-              <a:gd name="connsiteY2" fmla="*/ 322797 h 415330"/>
-              <a:gd name="connsiteX3" fmla="*/ 1063413 w 1063413"/>
-              <a:gd name="connsiteY3" fmla="*/ 415127 h 415330"/>
-              <a:gd name="connsiteX0" fmla="*/ 0 w 1138302"/>
-              <a:gd name="connsiteY0" fmla="*/ 408029 h 408028"/>
-              <a:gd name="connsiteX1" fmla="*/ 434911 w 1138302"/>
-              <a:gd name="connsiteY1" fmla="*/ 490 h 408028"/>
-              <a:gd name="connsiteX2" fmla="*/ 862233 w 1138302"/>
-              <a:gd name="connsiteY2" fmla="*/ 322797 h 408028"/>
-              <a:gd name="connsiteX3" fmla="*/ 1138302 w 1138302"/>
-              <a:gd name="connsiteY3" fmla="*/ 389994 h 408028"/>
-              <a:gd name="connsiteX0" fmla="*/ 0 w 1138302"/>
-              <a:gd name="connsiteY0" fmla="*/ 393973 h 393973"/>
-              <a:gd name="connsiteX1" fmla="*/ 560780 w 1138302"/>
-              <a:gd name="connsiteY1" fmla="*/ 514 h 393973"/>
-              <a:gd name="connsiteX2" fmla="*/ 862233 w 1138302"/>
-              <a:gd name="connsiteY2" fmla="*/ 308741 h 393973"/>
-              <a:gd name="connsiteX3" fmla="*/ 1138302 w 1138302"/>
-              <a:gd name="connsiteY3" fmla="*/ 375938 h 393973"/>
-              <a:gd name="connsiteX0" fmla="*/ 0 w 1138302"/>
-              <a:gd name="connsiteY0" fmla="*/ 394434 h 394434"/>
-              <a:gd name="connsiteX1" fmla="*/ 560780 w 1138302"/>
-              <a:gd name="connsiteY1" fmla="*/ 975 h 394434"/>
-              <a:gd name="connsiteX2" fmla="*/ 946145 w 1138302"/>
-              <a:gd name="connsiteY2" fmla="*/ 281042 h 394434"/>
-              <a:gd name="connsiteX3" fmla="*/ 1138302 w 1138302"/>
-              <a:gd name="connsiteY3" fmla="*/ 376399 h 394434"/>
-              <a:gd name="connsiteX0" fmla="*/ 0 w 1138302"/>
-              <a:gd name="connsiteY0" fmla="*/ 352372 h 352372"/>
-              <a:gd name="connsiteX1" fmla="*/ 406941 w 1138302"/>
-              <a:gd name="connsiteY1" fmla="*/ 1154 h 352372"/>
-              <a:gd name="connsiteX2" fmla="*/ 946145 w 1138302"/>
-              <a:gd name="connsiteY2" fmla="*/ 238980 h 352372"/>
-              <a:gd name="connsiteX3" fmla="*/ 1138302 w 1138302"/>
-              <a:gd name="connsiteY3" fmla="*/ 334337 h 352372"/>
-              <a:gd name="connsiteX0" fmla="*/ 0 w 1138302"/>
-              <a:gd name="connsiteY0" fmla="*/ 396145 h 396145"/>
-              <a:gd name="connsiteX1" fmla="*/ 406941 w 1138302"/>
-              <a:gd name="connsiteY1" fmla="*/ 44927 h 396145"/>
-              <a:gd name="connsiteX2" fmla="*/ 736365 w 1138302"/>
-              <a:gd name="connsiteY2" fmla="*/ 29309 h 396145"/>
-              <a:gd name="connsiteX3" fmla="*/ 1138302 w 1138302"/>
-              <a:gd name="connsiteY3" fmla="*/ 378110 h 396145"/>
-            </a:gdLst>
-            <a:ahLst/>
-            <a:cxnLst>
-              <a:cxn ang="0">
-                <a:pos x="connsiteX0" y="connsiteY0"/>
-              </a:cxn>
-              <a:cxn ang="0">
-                <a:pos x="connsiteX1" y="connsiteY1"/>
-              </a:cxn>
-              <a:cxn ang="0">
-                <a:pos x="connsiteX2" y="connsiteY2"/>
-              </a:cxn>
-              <a:cxn ang="0">
-                <a:pos x="connsiteX3" y="connsiteY3"/>
-              </a:cxn>
-            </a:cxnLst>
-            <a:rect l="l" t="t" r="r" b="b"/>
-            <a:pathLst>
-              <a:path w="1138302" h="396145">
-                <a:moveTo>
-                  <a:pt x="0" y="396145"/>
-                </a:moveTo>
-                <a:cubicBezTo>
-                  <a:pt x="81116" y="293725"/>
-                  <a:pt x="284214" y="106066"/>
-                  <a:pt x="406941" y="44927"/>
-                </a:cubicBezTo>
-                <a:cubicBezTo>
-                  <a:pt x="529668" y="-16212"/>
-                  <a:pt x="623294" y="-8381"/>
-                  <a:pt x="736365" y="29309"/>
-                </a:cubicBezTo>
-                <a:cubicBezTo>
-                  <a:pt x="849436" y="66999"/>
-                  <a:pt x="1081766" y="382206"/>
-                  <a:pt x="1138302" y="378110"/>
-                </a:cubicBezTo>
-              </a:path>
-            </a:pathLst>
-          </a:custGeom>
-          <a:ln w="28575">
-            <a:solidFill>
-              <a:srgbClr val="307E58"/>
-            </a:solidFill>
-          </a:ln>
-        </p:spPr>
-        <p:style>
-          <a:lnRef idx="1">
-            <a:schemeClr val="accent1"/>
-          </a:lnRef>
-          <a:fillRef idx="0">
-            <a:schemeClr val="accent1"/>
-          </a:fillRef>
-          <a:effectRef idx="0">
-            <a:schemeClr val="accent1"/>
-          </a:effectRef>
-          <a:fontRef idx="minor">
-            <a:schemeClr val="tx1"/>
-          </a:fontRef>
-        </p:style>
-        <p:txBody>
-          <a:bodyPr rtlCol="0" anchor="ctr"/>
-          <a:lstStyle/>
-          <a:p>
-            <a:pPr algn="ctr"/>
-            <a:endParaRPr lang="en-US" sz="1665" dirty="0"/>
-          </a:p>
-        </p:txBody>
-      </p:sp>
-      <p:sp>
-        <p:nvSpPr>
-          <p:cNvPr id="73" name="TextBox 72">
-            <a:extLst>
-              <a:ext uri="{FF2B5EF4-FFF2-40B4-BE49-F238E27FC236}">
-                <a16:creationId xmlns:a16="http://schemas.microsoft.com/office/drawing/2014/main" id="{FC8A020A-7BBC-1E9E-F18E-A45E92223F30}"/>
-              </a:ext>
-            </a:extLst>
-          </p:cNvPr>
-          <p:cNvSpPr txBox="1"/>
-          <p:nvPr/>
-        </p:nvSpPr>
-        <p:spPr>
-          <a:xfrm>
-            <a:off x="6393868" y="4437097"/>
-            <a:ext cx="1870674" cy="490904"/>
-          </a:xfrm>
-          <a:prstGeom prst="rect">
-            <a:avLst/>
-          </a:prstGeom>
-          <a:noFill/>
-        </p:spPr>
-        <p:txBody>
-          <a:bodyPr wrap="square" rtlCol="0">
-            <a:spAutoFit/>
-          </a:bodyPr>
-          <a:lstStyle/>
-          <a:p>
-            <a:r>
-              <a:rPr lang="en-US" sz="1295" dirty="0">
-                <a:solidFill>
-                  <a:schemeClr val="accent2">
-                    <a:lumMod val="75000"/>
-                  </a:schemeClr>
-                </a:solidFill>
-                <a:latin typeface="Helvetica" pitchFamily="2" charset="0"/>
-              </a:rPr>
-              <a:t>Water responses will be more delayed</a:t>
+              <a:t>Water responses will be larger</a:t>
             </a:r>
           </a:p>
         </p:txBody>
@@ -14232,8 +11966,8 @@
         </p:nvSpPr>
         <p:spPr>
           <a:xfrm>
-            <a:off x="6393868" y="5193461"/>
-            <a:ext cx="1687050" cy="490904"/>
+            <a:off x="6406295" y="5111197"/>
+            <a:ext cx="1244042" cy="690189"/>
           </a:xfrm>
           <a:prstGeom prst="rect">
             <a:avLst/>
@@ -14253,44 +11987,7 @@
                 </a:solidFill>
                 <a:latin typeface="Helvetica" pitchFamily="2" charset="0"/>
               </a:rPr>
-              <a:t>Carbon responses will be faster</a:t>
-            </a:r>
-          </a:p>
-        </p:txBody>
-      </p:sp>
-      <p:sp>
-        <p:nvSpPr>
-          <p:cNvPr id="75" name="TextBox 74">
-            <a:extLst>
-              <a:ext uri="{FF2B5EF4-FFF2-40B4-BE49-F238E27FC236}">
-                <a16:creationId xmlns:a16="http://schemas.microsoft.com/office/drawing/2014/main" id="{EA88194F-344B-9116-7BF4-22238E7CA711}"/>
-              </a:ext>
-            </a:extLst>
-          </p:cNvPr>
-          <p:cNvSpPr txBox="1"/>
-          <p:nvPr/>
-        </p:nvSpPr>
-        <p:spPr>
-          <a:xfrm>
-            <a:off x="2334422" y="6011787"/>
-            <a:ext cx="1798527" cy="433965"/>
-          </a:xfrm>
-          <a:prstGeom prst="rect">
-            <a:avLst/>
-          </a:prstGeom>
-          <a:noFill/>
-        </p:spPr>
-        <p:txBody>
-          <a:bodyPr wrap="square" rtlCol="0">
-            <a:spAutoFit/>
-          </a:bodyPr>
-          <a:lstStyle/>
-          <a:p>
-            <a:r>
-              <a:rPr lang="en-US" sz="1110" dirty="0">
-                <a:latin typeface="Helvetica" pitchFamily="2" charset="0"/>
-              </a:rPr>
-              <a:t>All responses are more delayed at colder MATs </a:t>
+              <a:t>Carbon responses will be smaller</a:t>
             </a:r>
           </a:p>
         </p:txBody>
@@ -14309,8 +12006,8 @@
         </p:nvSpPr>
         <p:spPr>
           <a:xfrm>
-            <a:off x="4264844" y="5836200"/>
-            <a:ext cx="1906809" cy="604781"/>
+            <a:off x="2375283" y="5515198"/>
+            <a:ext cx="1906664" cy="946413"/>
           </a:xfrm>
           <a:prstGeom prst="rect">
             <a:avLst/>
@@ -14327,17 +12024,17 @@
               <a:rPr lang="en-US" sz="1110" dirty="0">
                 <a:latin typeface="Helvetica" pitchFamily="2" charset="0"/>
               </a:rPr>
-              <a:t>Water responses are faster and greater in hot and dry ecosystems</a:t>
+              <a:t>Dry+cold: Water responses are smaller than carbon responses. All responses are faster than in wetter or hotter conditions.</a:t>
             </a:r>
           </a:p>
         </p:txBody>
       </p:sp>
       <p:sp>
         <p:nvSpPr>
-          <p:cNvPr id="77" name="TextBox 76">
+          <p:cNvPr id="8" name="TextBox 7">
             <a:extLst>
               <a:ext uri="{FF2B5EF4-FFF2-40B4-BE49-F238E27FC236}">
-                <a16:creationId xmlns:a16="http://schemas.microsoft.com/office/drawing/2014/main" id="{097A2E0E-774F-1450-6060-C0B26346964C}"/>
+                <a16:creationId xmlns:a16="http://schemas.microsoft.com/office/drawing/2014/main" id="{DB08E94D-CE74-39D3-489D-52B741FA8CD4}"/>
               </a:ext>
             </a:extLst>
           </p:cNvPr>
@@ -14346,8 +12043,8 @@
         </p:nvSpPr>
         <p:spPr>
           <a:xfrm>
-            <a:off x="4268885" y="4200607"/>
-            <a:ext cx="1960589" cy="604781"/>
+            <a:off x="4301657" y="5382245"/>
+            <a:ext cx="1927816" cy="1117229"/>
           </a:xfrm>
           <a:prstGeom prst="rect">
             <a:avLst/>
@@ -14364,7 +12061,81 @@
               <a:rPr lang="en-US" sz="1110" dirty="0">
                 <a:latin typeface="Helvetica" pitchFamily="2" charset="0"/>
               </a:rPr>
-              <a:t>Carbon responses are faster and greater in hot and wet ecosystems</a:t>
+              <a:t>Dry+hot: Water responses are smaller than carbon responses. All responses are slower than in colder conditions, but faster than in wet conditions .</a:t>
+            </a:r>
+          </a:p>
+        </p:txBody>
+      </p:sp>
+      <p:sp>
+        <p:nvSpPr>
+          <p:cNvPr id="9" name="TextBox 8">
+            <a:extLst>
+              <a:ext uri="{FF2B5EF4-FFF2-40B4-BE49-F238E27FC236}">
+                <a16:creationId xmlns:a16="http://schemas.microsoft.com/office/drawing/2014/main" id="{24AA1A73-6C2E-B0A7-4197-4E21A24D77C7}"/>
+              </a:ext>
+            </a:extLst>
+          </p:cNvPr>
+          <p:cNvSpPr txBox="1"/>
+          <p:nvPr/>
+        </p:nvSpPr>
+        <p:spPr>
+          <a:xfrm>
+            <a:off x="4352637" y="3932955"/>
+            <a:ext cx="1935217" cy="946413"/>
+          </a:xfrm>
+          <a:prstGeom prst="rect">
+            <a:avLst/>
+          </a:prstGeom>
+          <a:noFill/>
+        </p:spPr>
+        <p:txBody>
+          <a:bodyPr wrap="square" rtlCol="0">
+            <a:spAutoFit/>
+          </a:bodyPr>
+          <a:lstStyle/>
+          <a:p>
+            <a:r>
+              <a:rPr lang="en-US" sz="1110" dirty="0">
+                <a:latin typeface="Helvetica" pitchFamily="2" charset="0"/>
+              </a:rPr>
+              <a:t>Wet+hot: Carbon responses are smaller than water responses. All responses are slower than in dry conditions.</a:t>
+            </a:r>
+          </a:p>
+        </p:txBody>
+      </p:sp>
+      <p:sp>
+        <p:nvSpPr>
+          <p:cNvPr id="10" name="TextBox 9">
+            <a:extLst>
+              <a:ext uri="{FF2B5EF4-FFF2-40B4-BE49-F238E27FC236}">
+                <a16:creationId xmlns:a16="http://schemas.microsoft.com/office/drawing/2014/main" id="{1302BC81-4BB8-3E47-AAC2-7D0C4CE79300}"/>
+              </a:ext>
+            </a:extLst>
+          </p:cNvPr>
+          <p:cNvSpPr txBox="1"/>
+          <p:nvPr/>
+        </p:nvSpPr>
+        <p:spPr>
+          <a:xfrm>
+            <a:off x="2346187" y="3774880"/>
+            <a:ext cx="2013595" cy="1117229"/>
+          </a:xfrm>
+          <a:prstGeom prst="rect">
+            <a:avLst/>
+          </a:prstGeom>
+          <a:noFill/>
+        </p:spPr>
+        <p:txBody>
+          <a:bodyPr wrap="square" rtlCol="0">
+            <a:spAutoFit/>
+          </a:bodyPr>
+          <a:lstStyle/>
+          <a:p>
+            <a:r>
+              <a:rPr lang="en-US" sz="1110" dirty="0">
+                <a:latin typeface="Helvetica" pitchFamily="2" charset="0"/>
+              </a:rPr>
+              <a:t>Wet+cold: Carbon responses are smaller than water responses. All responses are faster than in hot conditions, but slower than in dry conditions.</a:t>
             </a:r>
           </a:p>
         </p:txBody>
